--- a/03_iteraciones/6ta_iteracion/Manuales/Manual de Usuario/Metalsoft_Interfaces/Interfaces_Compras.pptx
+++ b/03_iteraciones/6ta_iteracion/Manuales/Manual de Usuario/Metalsoft_Interfaces/Interfaces_Compras.pptx
@@ -13,6 +13,9 @@
     <p:sldId id="263" r:id="rId7"/>
     <p:sldId id="264" r:id="rId8"/>
     <p:sldId id="265" r:id="rId9"/>
+    <p:sldId id="266" r:id="rId10"/>
+    <p:sldId id="267" r:id="rId11"/>
+    <p:sldId id="268" r:id="rId12"/>
   </p:sldIdLst>
   <p:sldSz cx="9144000" cy="6858000" type="screen4x3"/>
   <p:notesSz cx="6858000" cy="9144000"/>
@@ -3235,6 +3238,346 @@
 </p:sld>
 </file>
 
+<file path=ppt/slides/slide10.xml><?xml version="1.0" encoding="utf-8"?>
+<p:sld xmlns:a="http://schemas.openxmlformats.org/drawingml/2006/main" xmlns:r="http://schemas.openxmlformats.org/officeDocument/2006/relationships" xmlns:p="http://schemas.openxmlformats.org/presentationml/2006/main">
+  <p:cSld>
+    <p:spTree>
+      <p:nvGrpSpPr>
+        <p:cNvPr id="1" name=""/>
+        <p:cNvGrpSpPr/>
+        <p:nvPr/>
+      </p:nvGrpSpPr>
+      <p:grpSpPr>
+        <a:xfrm>
+          <a:off x="0" y="0"/>
+          <a:ext cx="0" cy="0"/>
+          <a:chOff x="0" y="0"/>
+          <a:chExt cx="0" cy="0"/>
+        </a:xfrm>
+      </p:grpSpPr>
+      <p:pic>
+        <p:nvPicPr>
+          <p:cNvPr id="5122" name="Picture 2"/>
+          <p:cNvPicPr>
+            <a:picLocks noChangeAspect="1" noChangeArrowheads="1"/>
+          </p:cNvPicPr>
+          <p:nvPr/>
+        </p:nvPicPr>
+        <p:blipFill>
+          <a:blip r:embed="rId2" cstate="print"/>
+          <a:srcRect/>
+          <a:stretch>
+            <a:fillRect/>
+          </a:stretch>
+        </p:blipFill>
+        <p:spPr bwMode="auto">
+          <a:xfrm>
+            <a:off x="1243013" y="1395413"/>
+            <a:ext cx="6657975" cy="4067175"/>
+          </a:xfrm>
+          <a:prstGeom prst="rect">
+            <a:avLst/>
+          </a:prstGeom>
+          <a:noFill/>
+          <a:ln w="9525">
+            <a:noFill/>
+            <a:miter lim="800000"/>
+            <a:headEnd/>
+            <a:tailEnd/>
+          </a:ln>
+        </p:spPr>
+      </p:pic>
+      <p:sp>
+        <p:nvSpPr>
+          <p:cNvPr id="11" name="10 Rectángulo"/>
+          <p:cNvSpPr/>
+          <p:nvPr/>
+        </p:nvSpPr>
+        <p:spPr>
+          <a:xfrm>
+            <a:off x="6012160" y="3212976"/>
+            <a:ext cx="504056" cy="432048"/>
+          </a:xfrm>
+          <a:prstGeom prst="rect">
+            <a:avLst/>
+          </a:prstGeom>
+          <a:solidFill>
+            <a:srgbClr val="92D050"/>
+          </a:solidFill>
+          <a:ln>
+            <a:noFill/>
+          </a:ln>
+          <a:effectLst>
+            <a:outerShdw blurRad="50800" dist="38100" dir="5400000" algn="t" rotWithShape="0">
+              <a:prstClr val="black">
+                <a:alpha val="40000"/>
+              </a:prstClr>
+            </a:outerShdw>
+          </a:effectLst>
+          <a:scene3d>
+            <a:camera prst="orthographicFront">
+              <a:rot lat="0" lon="0" rev="0"/>
+            </a:camera>
+            <a:lightRig rig="contrasting" dir="t">
+              <a:rot lat="0" lon="0" rev="1500000"/>
+            </a:lightRig>
+          </a:scene3d>
+          <a:sp3d prstMaterial="metal">
+            <a:bevelT w="88900" h="88900"/>
+          </a:sp3d>
+        </p:spPr>
+        <p:style>
+          <a:lnRef idx="2">
+            <a:schemeClr val="accent1">
+              <a:shade val="50000"/>
+            </a:schemeClr>
+          </a:lnRef>
+          <a:fillRef idx="1">
+            <a:schemeClr val="accent1"/>
+          </a:fillRef>
+          <a:effectRef idx="0">
+            <a:schemeClr val="accent1"/>
+          </a:effectRef>
+          <a:fontRef idx="minor">
+            <a:schemeClr val="lt1"/>
+          </a:fontRef>
+        </p:style>
+        <p:txBody>
+          <a:bodyPr rtlCol="0" anchor="ctr"/>
+          <a:lstStyle/>
+          <a:p>
+            <a:pPr algn="ctr"/>
+            <a:r>
+              <a:rPr lang="es-AR" b="1" dirty="0" smtClean="0"/>
+              <a:t>1.</a:t>
+            </a:r>
+            <a:endParaRPr lang="es-AR" b="1" dirty="0"/>
+          </a:p>
+        </p:txBody>
+      </p:sp>
+      <p:sp>
+        <p:nvSpPr>
+          <p:cNvPr id="12" name="11 Rectángulo redondeado"/>
+          <p:cNvSpPr/>
+          <p:nvPr/>
+        </p:nvSpPr>
+        <p:spPr>
+          <a:xfrm>
+            <a:off x="4067944" y="3212976"/>
+            <a:ext cx="1800200" cy="432048"/>
+          </a:xfrm>
+          <a:prstGeom prst="roundRect">
+            <a:avLst/>
+          </a:prstGeom>
+          <a:noFill/>
+          <a:ln w="50800">
+            <a:solidFill>
+              <a:srgbClr val="92D050"/>
+            </a:solidFill>
+          </a:ln>
+        </p:spPr>
+        <p:style>
+          <a:lnRef idx="2">
+            <a:schemeClr val="accent1">
+              <a:shade val="50000"/>
+            </a:schemeClr>
+          </a:lnRef>
+          <a:fillRef idx="1">
+            <a:schemeClr val="accent1"/>
+          </a:fillRef>
+          <a:effectRef idx="0">
+            <a:schemeClr val="accent1"/>
+          </a:effectRef>
+          <a:fontRef idx="minor">
+            <a:schemeClr val="lt1"/>
+          </a:fontRef>
+        </p:style>
+        <p:txBody>
+          <a:bodyPr rtlCol="0" anchor="ctr"/>
+          <a:lstStyle/>
+          <a:p>
+            <a:pPr algn="ctr"/>
+            <a:endParaRPr lang="es-AR"/>
+          </a:p>
+        </p:txBody>
+      </p:sp>
+    </p:spTree>
+  </p:cSld>
+  <p:clrMapOvr>
+    <a:masterClrMapping/>
+  </p:clrMapOvr>
+</p:sld>
+</file>
+
+<file path=ppt/slides/slide11.xml><?xml version="1.0" encoding="utf-8"?>
+<p:sld xmlns:a="http://schemas.openxmlformats.org/drawingml/2006/main" xmlns:r="http://schemas.openxmlformats.org/officeDocument/2006/relationships" xmlns:p="http://schemas.openxmlformats.org/presentationml/2006/main">
+  <p:cSld>
+    <p:spTree>
+      <p:nvGrpSpPr>
+        <p:cNvPr id="1" name=""/>
+        <p:cNvGrpSpPr/>
+        <p:nvPr/>
+      </p:nvGrpSpPr>
+      <p:grpSpPr>
+        <a:xfrm>
+          <a:off x="0" y="0"/>
+          <a:ext cx="0" cy="0"/>
+          <a:chOff x="0" y="0"/>
+          <a:chExt cx="0" cy="0"/>
+        </a:xfrm>
+      </p:grpSpPr>
+      <p:sp>
+        <p:nvSpPr>
+          <p:cNvPr id="11" name="10 Rectángulo"/>
+          <p:cNvSpPr/>
+          <p:nvPr/>
+        </p:nvSpPr>
+        <p:spPr>
+          <a:xfrm>
+            <a:off x="6012160" y="3212976"/>
+            <a:ext cx="504056" cy="432048"/>
+          </a:xfrm>
+          <a:prstGeom prst="rect">
+            <a:avLst/>
+          </a:prstGeom>
+          <a:solidFill>
+            <a:srgbClr val="92D050"/>
+          </a:solidFill>
+          <a:ln>
+            <a:noFill/>
+          </a:ln>
+          <a:effectLst>
+            <a:outerShdw blurRad="50800" dist="38100" dir="5400000" algn="t" rotWithShape="0">
+              <a:prstClr val="black">
+                <a:alpha val="40000"/>
+              </a:prstClr>
+            </a:outerShdw>
+          </a:effectLst>
+          <a:scene3d>
+            <a:camera prst="orthographicFront">
+              <a:rot lat="0" lon="0" rev="0"/>
+            </a:camera>
+            <a:lightRig rig="contrasting" dir="t">
+              <a:rot lat="0" lon="0" rev="1500000"/>
+            </a:lightRig>
+          </a:scene3d>
+          <a:sp3d prstMaterial="metal">
+            <a:bevelT w="88900" h="88900"/>
+          </a:sp3d>
+        </p:spPr>
+        <p:style>
+          <a:lnRef idx="2">
+            <a:schemeClr val="accent1">
+              <a:shade val="50000"/>
+            </a:schemeClr>
+          </a:lnRef>
+          <a:fillRef idx="1">
+            <a:schemeClr val="accent1"/>
+          </a:fillRef>
+          <a:effectRef idx="0">
+            <a:schemeClr val="accent1"/>
+          </a:effectRef>
+          <a:fontRef idx="minor">
+            <a:schemeClr val="lt1"/>
+          </a:fontRef>
+        </p:style>
+        <p:txBody>
+          <a:bodyPr rtlCol="0" anchor="ctr"/>
+          <a:lstStyle/>
+          <a:p>
+            <a:pPr algn="ctr"/>
+            <a:r>
+              <a:rPr lang="es-AR" b="1" dirty="0" smtClean="0"/>
+              <a:t>1.</a:t>
+            </a:r>
+            <a:endParaRPr lang="es-AR" b="1" dirty="0"/>
+          </a:p>
+        </p:txBody>
+      </p:sp>
+      <p:sp>
+        <p:nvSpPr>
+          <p:cNvPr id="12" name="11 Rectángulo redondeado"/>
+          <p:cNvSpPr/>
+          <p:nvPr/>
+        </p:nvSpPr>
+        <p:spPr>
+          <a:xfrm>
+            <a:off x="4067944" y="3212976"/>
+            <a:ext cx="1800200" cy="432048"/>
+          </a:xfrm>
+          <a:prstGeom prst="roundRect">
+            <a:avLst/>
+          </a:prstGeom>
+          <a:noFill/>
+          <a:ln w="50800">
+            <a:solidFill>
+              <a:srgbClr val="92D050"/>
+            </a:solidFill>
+          </a:ln>
+        </p:spPr>
+        <p:style>
+          <a:lnRef idx="2">
+            <a:schemeClr val="accent1">
+              <a:shade val="50000"/>
+            </a:schemeClr>
+          </a:lnRef>
+          <a:fillRef idx="1">
+            <a:schemeClr val="accent1"/>
+          </a:fillRef>
+          <a:effectRef idx="0">
+            <a:schemeClr val="accent1"/>
+          </a:effectRef>
+          <a:fontRef idx="minor">
+            <a:schemeClr val="lt1"/>
+          </a:fontRef>
+        </p:style>
+        <p:txBody>
+          <a:bodyPr rtlCol="0" anchor="ctr"/>
+          <a:lstStyle/>
+          <a:p>
+            <a:pPr algn="ctr"/>
+            <a:endParaRPr lang="es-AR"/>
+          </a:p>
+        </p:txBody>
+      </p:sp>
+      <p:sp>
+        <p:nvSpPr>
+          <p:cNvPr id="4" name="3 CuadroTexto"/>
+          <p:cNvSpPr txBox="1"/>
+          <p:nvPr/>
+        </p:nvSpPr>
+        <p:spPr>
+          <a:xfrm>
+            <a:off x="827584" y="908720"/>
+            <a:ext cx="3978974" cy="369332"/>
+          </a:xfrm>
+          <a:prstGeom prst="rect">
+            <a:avLst/>
+          </a:prstGeom>
+          <a:noFill/>
+        </p:spPr>
+        <p:txBody>
+          <a:bodyPr wrap="none" rtlCol="0">
+            <a:spAutoFit/>
+          </a:bodyPr>
+          <a:lstStyle/>
+          <a:p>
+            <a:r>
+              <a:rPr lang="es-AR" dirty="0" smtClean="0"/>
+              <a:t>Falta la imagen q se guardó con mensaje</a:t>
+            </a:r>
+            <a:endParaRPr lang="es-AR" dirty="0"/>
+          </a:p>
+        </p:txBody>
+      </p:sp>
+    </p:spTree>
+  </p:cSld>
+  <p:clrMapOvr>
+    <a:masterClrMapping/>
+  </p:clrMapOvr>
+</p:sld>
+</file>
+
 <file path=ppt/slides/slide2.xml><?xml version="1.0" encoding="utf-8"?>
 <p:sld xmlns:a="http://schemas.openxmlformats.org/drawingml/2006/main" xmlns:r="http://schemas.openxmlformats.org/officeDocument/2006/relationships" xmlns:p="http://schemas.openxmlformats.org/presentationml/2006/main">
   <p:cSld>
@@ -3660,11 +4003,7 @@
               <a:pPr algn="ctr"/>
               <a:r>
                 <a:rPr lang="es-AR" b="1" dirty="0" smtClean="0"/>
-                <a:t>2</a:t>
-              </a:r>
-              <a:r>
-                <a:rPr lang="es-AR" b="1" dirty="0" smtClean="0"/>
-                <a:t>.</a:t>
+                <a:t>2.</a:t>
               </a:r>
               <a:endParaRPr lang="es-AR" b="1" dirty="0"/>
             </a:p>
@@ -3742,6 +4081,378 @@
           <a:chExt cx="0" cy="0"/>
         </a:xfrm>
       </p:grpSpPr>
+      <p:grpSp>
+        <p:nvGrpSpPr>
+          <p:cNvPr id="5" name="4 Grupo"/>
+          <p:cNvGrpSpPr/>
+          <p:nvPr/>
+        </p:nvGrpSpPr>
+        <p:grpSpPr>
+          <a:xfrm>
+            <a:off x="899592" y="457070"/>
+            <a:ext cx="7848872" cy="6351773"/>
+            <a:chOff x="899592" y="457070"/>
+            <a:chExt cx="7848872" cy="6351773"/>
+          </a:xfrm>
+        </p:grpSpPr>
+        <p:pic>
+          <p:nvPicPr>
+            <p:cNvPr id="4" name="Picture 2"/>
+            <p:cNvPicPr>
+              <a:picLocks noChangeAspect="1" noChangeArrowheads="1"/>
+            </p:cNvPicPr>
+            <p:nvPr/>
+          </p:nvPicPr>
+          <p:blipFill>
+            <a:blip r:embed="rId2" cstate="print"/>
+            <a:srcRect/>
+            <a:stretch>
+              <a:fillRect/>
+            </a:stretch>
+          </p:blipFill>
+          <p:spPr bwMode="auto">
+            <a:xfrm>
+              <a:off x="899592" y="457070"/>
+              <a:ext cx="7848872" cy="6351773"/>
+            </a:xfrm>
+            <a:prstGeom prst="rect">
+              <a:avLst/>
+            </a:prstGeom>
+            <a:noFill/>
+            <a:ln w="9525">
+              <a:noFill/>
+              <a:miter lim="800000"/>
+              <a:headEnd/>
+              <a:tailEnd/>
+            </a:ln>
+          </p:spPr>
+        </p:pic>
+        <p:sp>
+          <p:nvSpPr>
+            <p:cNvPr id="11" name="10 Rectángulo"/>
+            <p:cNvSpPr/>
+            <p:nvPr/>
+          </p:nvSpPr>
+          <p:spPr>
+            <a:xfrm>
+              <a:off x="1403648" y="5373216"/>
+              <a:ext cx="504056" cy="432048"/>
+            </a:xfrm>
+            <a:prstGeom prst="rect">
+              <a:avLst/>
+            </a:prstGeom>
+            <a:solidFill>
+              <a:srgbClr val="92D050"/>
+            </a:solidFill>
+            <a:ln>
+              <a:noFill/>
+            </a:ln>
+            <a:effectLst>
+              <a:outerShdw blurRad="50800" dist="38100" dir="5400000" algn="t" rotWithShape="0">
+                <a:prstClr val="black">
+                  <a:alpha val="40000"/>
+                </a:prstClr>
+              </a:outerShdw>
+            </a:effectLst>
+            <a:scene3d>
+              <a:camera prst="orthographicFront">
+                <a:rot lat="0" lon="0" rev="0"/>
+              </a:camera>
+              <a:lightRig rig="contrasting" dir="t">
+                <a:rot lat="0" lon="0" rev="1500000"/>
+              </a:lightRig>
+            </a:scene3d>
+            <a:sp3d prstMaterial="metal">
+              <a:bevelT w="88900" h="88900"/>
+            </a:sp3d>
+          </p:spPr>
+          <p:style>
+            <a:lnRef idx="2">
+              <a:schemeClr val="accent1">
+                <a:shade val="50000"/>
+              </a:schemeClr>
+            </a:lnRef>
+            <a:fillRef idx="1">
+              <a:schemeClr val="accent1"/>
+            </a:fillRef>
+            <a:effectRef idx="0">
+              <a:schemeClr val="accent1"/>
+            </a:effectRef>
+            <a:fontRef idx="minor">
+              <a:schemeClr val="lt1"/>
+            </a:fontRef>
+          </p:style>
+          <p:txBody>
+            <a:bodyPr rtlCol="0" anchor="ctr"/>
+            <a:lstStyle/>
+            <a:p>
+              <a:pPr algn="ctr"/>
+              <a:r>
+                <a:rPr lang="es-AR" b="1" dirty="0" smtClean="0"/>
+                <a:t>1.</a:t>
+              </a:r>
+              <a:endParaRPr lang="es-AR" b="1" dirty="0"/>
+            </a:p>
+          </p:txBody>
+        </p:sp>
+        <p:sp>
+          <p:nvSpPr>
+            <p:cNvPr id="12" name="11 Rectángulo redondeado"/>
+            <p:cNvSpPr/>
+            <p:nvPr/>
+          </p:nvSpPr>
+          <p:spPr>
+            <a:xfrm>
+              <a:off x="1259632" y="5949280"/>
+              <a:ext cx="792088" cy="504056"/>
+            </a:xfrm>
+            <a:prstGeom prst="roundRect">
+              <a:avLst/>
+            </a:prstGeom>
+            <a:noFill/>
+            <a:ln w="50800">
+              <a:solidFill>
+                <a:srgbClr val="92D050"/>
+              </a:solidFill>
+            </a:ln>
+          </p:spPr>
+          <p:style>
+            <a:lnRef idx="2">
+              <a:schemeClr val="accent1">
+                <a:shade val="50000"/>
+              </a:schemeClr>
+            </a:lnRef>
+            <a:fillRef idx="1">
+              <a:schemeClr val="accent1"/>
+            </a:fillRef>
+            <a:effectRef idx="0">
+              <a:schemeClr val="accent1"/>
+            </a:effectRef>
+            <a:fontRef idx="minor">
+              <a:schemeClr val="lt1"/>
+            </a:fontRef>
+          </p:style>
+          <p:txBody>
+            <a:bodyPr rtlCol="0" anchor="ctr"/>
+            <a:lstStyle/>
+            <a:p>
+              <a:pPr algn="ctr"/>
+              <a:endParaRPr lang="es-AR"/>
+            </a:p>
+          </p:txBody>
+        </p:sp>
+      </p:grpSp>
+    </p:spTree>
+  </p:cSld>
+  <p:clrMapOvr>
+    <a:masterClrMapping/>
+  </p:clrMapOvr>
+</p:sld>
+</file>
+
+<file path=ppt/slides/slide5.xml><?xml version="1.0" encoding="utf-8"?>
+<p:sld xmlns:a="http://schemas.openxmlformats.org/drawingml/2006/main" xmlns:r="http://schemas.openxmlformats.org/officeDocument/2006/relationships" xmlns:p="http://schemas.openxmlformats.org/presentationml/2006/main">
+  <p:cSld>
+    <p:spTree>
+      <p:nvGrpSpPr>
+        <p:cNvPr id="1" name=""/>
+        <p:cNvGrpSpPr/>
+        <p:nvPr/>
+      </p:nvGrpSpPr>
+      <p:grpSpPr>
+        <a:xfrm>
+          <a:off x="0" y="0"/>
+          <a:ext cx="0" cy="0"/>
+          <a:chOff x="0" y="0"/>
+          <a:chExt cx="0" cy="0"/>
+        </a:xfrm>
+      </p:grpSpPr>
+      <p:grpSp>
+        <p:nvGrpSpPr>
+          <p:cNvPr id="5" name="4 Grupo"/>
+          <p:cNvGrpSpPr/>
+          <p:nvPr/>
+        </p:nvGrpSpPr>
+        <p:grpSpPr>
+          <a:xfrm>
+            <a:off x="395536" y="49158"/>
+            <a:ext cx="7632848" cy="6176953"/>
+            <a:chOff x="395536" y="49158"/>
+            <a:chExt cx="7632848" cy="6176953"/>
+          </a:xfrm>
+        </p:grpSpPr>
+        <p:pic>
+          <p:nvPicPr>
+            <p:cNvPr id="1026" name="Picture 2"/>
+            <p:cNvPicPr>
+              <a:picLocks noChangeAspect="1" noChangeArrowheads="1"/>
+            </p:cNvPicPr>
+            <p:nvPr/>
+          </p:nvPicPr>
+          <p:blipFill>
+            <a:blip r:embed="rId2" cstate="print"/>
+            <a:srcRect/>
+            <a:stretch>
+              <a:fillRect/>
+            </a:stretch>
+          </p:blipFill>
+          <p:spPr bwMode="auto">
+            <a:xfrm>
+              <a:off x="395536" y="49158"/>
+              <a:ext cx="7632848" cy="6176953"/>
+            </a:xfrm>
+            <a:prstGeom prst="rect">
+              <a:avLst/>
+            </a:prstGeom>
+            <a:noFill/>
+            <a:ln w="9525">
+              <a:noFill/>
+              <a:miter lim="800000"/>
+              <a:headEnd/>
+              <a:tailEnd/>
+            </a:ln>
+          </p:spPr>
+        </p:pic>
+        <p:sp>
+          <p:nvSpPr>
+            <p:cNvPr id="11" name="10 Rectángulo"/>
+            <p:cNvSpPr/>
+            <p:nvPr/>
+          </p:nvSpPr>
+          <p:spPr>
+            <a:xfrm>
+              <a:off x="1403648" y="4869160"/>
+              <a:ext cx="504056" cy="432048"/>
+            </a:xfrm>
+            <a:prstGeom prst="rect">
+              <a:avLst/>
+            </a:prstGeom>
+            <a:solidFill>
+              <a:srgbClr val="92D050"/>
+            </a:solidFill>
+            <a:ln>
+              <a:noFill/>
+            </a:ln>
+            <a:effectLst>
+              <a:outerShdw blurRad="50800" dist="38100" dir="5400000" algn="t" rotWithShape="0">
+                <a:prstClr val="black">
+                  <a:alpha val="40000"/>
+                </a:prstClr>
+              </a:outerShdw>
+            </a:effectLst>
+            <a:scene3d>
+              <a:camera prst="orthographicFront">
+                <a:rot lat="0" lon="0" rev="0"/>
+              </a:camera>
+              <a:lightRig rig="contrasting" dir="t">
+                <a:rot lat="0" lon="0" rev="1500000"/>
+              </a:lightRig>
+            </a:scene3d>
+            <a:sp3d prstMaterial="metal">
+              <a:bevelT w="88900" h="88900"/>
+            </a:sp3d>
+          </p:spPr>
+          <p:style>
+            <a:lnRef idx="2">
+              <a:schemeClr val="accent1">
+                <a:shade val="50000"/>
+              </a:schemeClr>
+            </a:lnRef>
+            <a:fillRef idx="1">
+              <a:schemeClr val="accent1"/>
+            </a:fillRef>
+            <a:effectRef idx="0">
+              <a:schemeClr val="accent1"/>
+            </a:effectRef>
+            <a:fontRef idx="minor">
+              <a:schemeClr val="lt1"/>
+            </a:fontRef>
+          </p:style>
+          <p:txBody>
+            <a:bodyPr rtlCol="0" anchor="ctr"/>
+            <a:lstStyle/>
+            <a:p>
+              <a:pPr algn="ctr"/>
+              <a:r>
+                <a:rPr lang="es-AR" b="1" dirty="0" smtClean="0"/>
+                <a:t>1.</a:t>
+              </a:r>
+              <a:endParaRPr lang="es-AR" b="1" dirty="0"/>
+            </a:p>
+          </p:txBody>
+        </p:sp>
+        <p:sp>
+          <p:nvSpPr>
+            <p:cNvPr id="12" name="11 Rectángulo redondeado"/>
+            <p:cNvSpPr/>
+            <p:nvPr/>
+          </p:nvSpPr>
+          <p:spPr>
+            <a:xfrm>
+              <a:off x="1259632" y="5373216"/>
+              <a:ext cx="792088" cy="576064"/>
+            </a:xfrm>
+            <a:prstGeom prst="roundRect">
+              <a:avLst/>
+            </a:prstGeom>
+            <a:noFill/>
+            <a:ln w="50800">
+              <a:solidFill>
+                <a:srgbClr val="92D050"/>
+              </a:solidFill>
+            </a:ln>
+          </p:spPr>
+          <p:style>
+            <a:lnRef idx="2">
+              <a:schemeClr val="accent1">
+                <a:shade val="50000"/>
+              </a:schemeClr>
+            </a:lnRef>
+            <a:fillRef idx="1">
+              <a:schemeClr val="accent1"/>
+            </a:fillRef>
+            <a:effectRef idx="0">
+              <a:schemeClr val="accent1"/>
+            </a:effectRef>
+            <a:fontRef idx="minor">
+              <a:schemeClr val="lt1"/>
+            </a:fontRef>
+          </p:style>
+          <p:txBody>
+            <a:bodyPr rtlCol="0" anchor="ctr"/>
+            <a:lstStyle/>
+            <a:p>
+              <a:pPr algn="ctr"/>
+              <a:endParaRPr lang="es-AR"/>
+            </a:p>
+          </p:txBody>
+        </p:sp>
+      </p:grpSp>
+    </p:spTree>
+  </p:cSld>
+  <p:clrMapOvr>
+    <a:masterClrMapping/>
+  </p:clrMapOvr>
+</p:sld>
+</file>
+
+<file path=ppt/slides/slide6.xml><?xml version="1.0" encoding="utf-8"?>
+<p:sld xmlns:a="http://schemas.openxmlformats.org/drawingml/2006/main" xmlns:r="http://schemas.openxmlformats.org/officeDocument/2006/relationships" xmlns:p="http://schemas.openxmlformats.org/presentationml/2006/main">
+  <p:cSld>
+    <p:spTree>
+      <p:nvGrpSpPr>
+        <p:cNvPr id="1" name=""/>
+        <p:cNvGrpSpPr/>
+        <p:nvPr/>
+      </p:nvGrpSpPr>
+      <p:grpSpPr>
+        <a:xfrm>
+          <a:off x="0" y="0"/>
+          <a:ext cx="0" cy="0"/>
+          <a:chOff x="0" y="0"/>
+          <a:chExt cx="0" cy="0"/>
+        </a:xfrm>
+      </p:grpSpPr>
       <p:sp>
         <p:nvSpPr>
           <p:cNvPr id="11" name="10 Rectángulo"/>
@@ -3856,6 +4567,38 @@
           </a:p>
         </p:txBody>
       </p:sp>
+      <p:pic>
+        <p:nvPicPr>
+          <p:cNvPr id="2050" name="Picture 2"/>
+          <p:cNvPicPr>
+            <a:picLocks noChangeAspect="1" noChangeArrowheads="1"/>
+          </p:cNvPicPr>
+          <p:nvPr/>
+        </p:nvPicPr>
+        <p:blipFill>
+          <a:blip r:embed="rId2" cstate="print"/>
+          <a:srcRect/>
+          <a:stretch>
+            <a:fillRect/>
+          </a:stretch>
+        </p:blipFill>
+        <p:spPr bwMode="auto">
+          <a:xfrm>
+            <a:off x="2076450" y="1876425"/>
+            <a:ext cx="4991100" cy="3105150"/>
+          </a:xfrm>
+          <a:prstGeom prst="rect">
+            <a:avLst/>
+          </a:prstGeom>
+          <a:noFill/>
+          <a:ln w="9525">
+            <a:noFill/>
+            <a:miter lim="800000"/>
+            <a:headEnd/>
+            <a:tailEnd/>
+          </a:ln>
+        </p:spPr>
+      </p:pic>
     </p:spTree>
   </p:cSld>
   <p:clrMapOvr>
@@ -3864,7 +4607,7 @@
 </p:sld>
 </file>
 
-<file path=ppt/slides/slide5.xml><?xml version="1.0" encoding="utf-8"?>
+<file path=ppt/slides/slide7.xml><?xml version="1.0" encoding="utf-8"?>
 <p:sld xmlns:a="http://schemas.openxmlformats.org/drawingml/2006/main" xmlns:r="http://schemas.openxmlformats.org/officeDocument/2006/relationships" xmlns:p="http://schemas.openxmlformats.org/presentationml/2006/main">
   <p:cSld>
     <p:spTree>
@@ -3881,6 +4624,38 @@
           <a:chExt cx="0" cy="0"/>
         </a:xfrm>
       </p:grpSpPr>
+      <p:pic>
+        <p:nvPicPr>
+          <p:cNvPr id="3074" name="Picture 2"/>
+          <p:cNvPicPr>
+            <a:picLocks noChangeAspect="1" noChangeArrowheads="1"/>
+          </p:cNvPicPr>
+          <p:nvPr/>
+        </p:nvPicPr>
+        <p:blipFill>
+          <a:blip r:embed="rId2" cstate="print"/>
+          <a:srcRect/>
+          <a:stretch>
+            <a:fillRect/>
+          </a:stretch>
+        </p:blipFill>
+        <p:spPr bwMode="auto">
+          <a:xfrm>
+            <a:off x="2076450" y="1876425"/>
+            <a:ext cx="4991100" cy="3105150"/>
+          </a:xfrm>
+          <a:prstGeom prst="rect">
+            <a:avLst/>
+          </a:prstGeom>
+          <a:noFill/>
+          <a:ln w="9525">
+            <a:noFill/>
+            <a:miter lim="800000"/>
+            <a:headEnd/>
+            <a:tailEnd/>
+          </a:ln>
+        </p:spPr>
+      </p:pic>
       <p:sp>
         <p:nvSpPr>
           <p:cNvPr id="11" name="10 Rectángulo"/>
@@ -4003,7 +4778,7 @@
 </p:sld>
 </file>
 
-<file path=ppt/slides/slide6.xml><?xml version="1.0" encoding="utf-8"?>
+<file path=ppt/slides/slide8.xml><?xml version="1.0" encoding="utf-8"?>
 <p:sld xmlns:a="http://schemas.openxmlformats.org/drawingml/2006/main" xmlns:r="http://schemas.openxmlformats.org/officeDocument/2006/relationships" xmlns:p="http://schemas.openxmlformats.org/presentationml/2006/main">
   <p:cSld>
     <p:spTree>
@@ -4134,6 +4909,36 @@
           </a:p>
         </p:txBody>
       </p:sp>
+      <p:sp>
+        <p:nvSpPr>
+          <p:cNvPr id="4" name="3 CuadroTexto"/>
+          <p:cNvSpPr txBox="1"/>
+          <p:nvPr/>
+        </p:nvSpPr>
+        <p:spPr>
+          <a:xfrm>
+            <a:off x="827584" y="908720"/>
+            <a:ext cx="3978974" cy="369332"/>
+          </a:xfrm>
+          <a:prstGeom prst="rect">
+            <a:avLst/>
+          </a:prstGeom>
+          <a:noFill/>
+        </p:spPr>
+        <p:txBody>
+          <a:bodyPr wrap="none" rtlCol="0">
+            <a:spAutoFit/>
+          </a:bodyPr>
+          <a:lstStyle/>
+          <a:p>
+            <a:r>
+              <a:rPr lang="es-AR" dirty="0" smtClean="0"/>
+              <a:t>Falta la imagen q se guardó con mensaje</a:t>
+            </a:r>
+            <a:endParaRPr lang="es-AR" dirty="0"/>
+          </a:p>
+        </p:txBody>
+      </p:sp>
     </p:spTree>
   </p:cSld>
   <p:clrMapOvr>
@@ -4142,7 +4947,7 @@
 </p:sld>
 </file>
 
-<file path=ppt/slides/slide7.xml><?xml version="1.0" encoding="utf-8"?>
+<file path=ppt/slides/slide9.xml><?xml version="1.0" encoding="utf-8"?>
 <p:sld xmlns:a="http://schemas.openxmlformats.org/drawingml/2006/main" xmlns:r="http://schemas.openxmlformats.org/officeDocument/2006/relationships" xmlns:p="http://schemas.openxmlformats.org/presentationml/2006/main">
   <p:cSld>
     <p:spTree>
@@ -4273,145 +5078,38 @@
           </a:p>
         </p:txBody>
       </p:sp>
-    </p:spTree>
-  </p:cSld>
-  <p:clrMapOvr>
-    <a:masterClrMapping/>
-  </p:clrMapOvr>
-</p:sld>
-</file>
-
-<file path=ppt/slides/slide8.xml><?xml version="1.0" encoding="utf-8"?>
-<p:sld xmlns:a="http://schemas.openxmlformats.org/drawingml/2006/main" xmlns:r="http://schemas.openxmlformats.org/officeDocument/2006/relationships" xmlns:p="http://schemas.openxmlformats.org/presentationml/2006/main">
-  <p:cSld>
-    <p:spTree>
-      <p:nvGrpSpPr>
-        <p:cNvPr id="1" name=""/>
-        <p:cNvGrpSpPr/>
-        <p:nvPr/>
-      </p:nvGrpSpPr>
-      <p:grpSpPr>
-        <a:xfrm>
-          <a:off x="0" y="0"/>
-          <a:ext cx="0" cy="0"/>
-          <a:chOff x="0" y="0"/>
-          <a:chExt cx="0" cy="0"/>
-        </a:xfrm>
-      </p:grpSpPr>
-      <p:sp>
-        <p:nvSpPr>
-          <p:cNvPr id="11" name="10 Rectángulo"/>
-          <p:cNvSpPr/>
+      <p:pic>
+        <p:nvPicPr>
+          <p:cNvPr id="4098" name="Picture 2"/>
+          <p:cNvPicPr>
+            <a:picLocks noChangeAspect="1" noChangeArrowheads="1"/>
+          </p:cNvPicPr>
           <p:nvPr/>
-        </p:nvSpPr>
-        <p:spPr>
+        </p:nvPicPr>
+        <p:blipFill>
+          <a:blip r:embed="rId2" cstate="print"/>
+          <a:srcRect/>
+          <a:stretch>
+            <a:fillRect/>
+          </a:stretch>
+        </p:blipFill>
+        <p:spPr bwMode="auto">
           <a:xfrm>
-            <a:off x="6012160" y="3212976"/>
-            <a:ext cx="504056" cy="432048"/>
+            <a:off x="1243013" y="1395413"/>
+            <a:ext cx="6657975" cy="4067175"/>
           </a:xfrm>
           <a:prstGeom prst="rect">
             <a:avLst/>
           </a:prstGeom>
-          <a:solidFill>
-            <a:srgbClr val="92D050"/>
-          </a:solidFill>
-          <a:ln>
+          <a:noFill/>
+          <a:ln w="9525">
             <a:noFill/>
-          </a:ln>
-          <a:effectLst>
-            <a:outerShdw blurRad="50800" dist="38100" dir="5400000" algn="t" rotWithShape="0">
-              <a:prstClr val="black">
-                <a:alpha val="40000"/>
-              </a:prstClr>
-            </a:outerShdw>
-          </a:effectLst>
-          <a:scene3d>
-            <a:camera prst="orthographicFront">
-              <a:rot lat="0" lon="0" rev="0"/>
-            </a:camera>
-            <a:lightRig rig="contrasting" dir="t">
-              <a:rot lat="0" lon="0" rev="1500000"/>
-            </a:lightRig>
-          </a:scene3d>
-          <a:sp3d prstMaterial="metal">
-            <a:bevelT w="88900" h="88900"/>
-          </a:sp3d>
-        </p:spPr>
-        <p:style>
-          <a:lnRef idx="2">
-            <a:schemeClr val="accent1">
-              <a:shade val="50000"/>
-            </a:schemeClr>
-          </a:lnRef>
-          <a:fillRef idx="1">
-            <a:schemeClr val="accent1"/>
-          </a:fillRef>
-          <a:effectRef idx="0">
-            <a:schemeClr val="accent1"/>
-          </a:effectRef>
-          <a:fontRef idx="minor">
-            <a:schemeClr val="lt1"/>
-          </a:fontRef>
-        </p:style>
-        <p:txBody>
-          <a:bodyPr rtlCol="0" anchor="ctr"/>
-          <a:lstStyle/>
-          <a:p>
-            <a:pPr algn="ctr"/>
-            <a:r>
-              <a:rPr lang="es-AR" b="1" dirty="0" smtClean="0"/>
-              <a:t>1.</a:t>
-            </a:r>
-            <a:endParaRPr lang="es-AR" b="1" dirty="0"/>
-          </a:p>
-        </p:txBody>
-      </p:sp>
-      <p:sp>
-        <p:nvSpPr>
-          <p:cNvPr id="12" name="11 Rectángulo redondeado"/>
-          <p:cNvSpPr/>
-          <p:nvPr/>
-        </p:nvSpPr>
-        <p:spPr>
-          <a:xfrm>
-            <a:off x="4067944" y="3212976"/>
-            <a:ext cx="1800200" cy="432048"/>
-          </a:xfrm>
-          <a:prstGeom prst="roundRect">
-            <a:avLst/>
-          </a:prstGeom>
-          <a:noFill/>
-          <a:ln w="50800">
-            <a:solidFill>
-              <a:srgbClr val="92D050"/>
-            </a:solidFill>
+            <a:miter lim="800000"/>
+            <a:headEnd/>
+            <a:tailEnd/>
           </a:ln>
         </p:spPr>
-        <p:style>
-          <a:lnRef idx="2">
-            <a:schemeClr val="accent1">
-              <a:shade val="50000"/>
-            </a:schemeClr>
-          </a:lnRef>
-          <a:fillRef idx="1">
-            <a:schemeClr val="accent1"/>
-          </a:fillRef>
-          <a:effectRef idx="0">
-            <a:schemeClr val="accent1"/>
-          </a:effectRef>
-          <a:fontRef idx="minor">
-            <a:schemeClr val="lt1"/>
-          </a:fontRef>
-        </p:style>
-        <p:txBody>
-          <a:bodyPr rtlCol="0" anchor="ctr"/>
-          <a:lstStyle/>
-          <a:p>
-            <a:pPr algn="ctr"/>
-            <a:endParaRPr lang="es-AR"/>
-          </a:p>
-        </p:txBody>
-      </p:sp>
+      </p:pic>
     </p:spTree>
   </p:cSld>
   <p:clrMapOvr>

--- a/03_iteraciones/6ta_iteracion/Manuales/Manual de Usuario/Metalsoft_Interfaces/Interfaces_Compras.pptx
+++ b/03_iteraciones/6ta_iteracion/Manuales/Manual de Usuario/Metalsoft_Interfaces/Interfaces_Compras.pptx
@@ -16,6 +16,13 @@
     <p:sldId id="266" r:id="rId10"/>
     <p:sldId id="267" r:id="rId11"/>
     <p:sldId id="268" r:id="rId12"/>
+    <p:sldId id="269" r:id="rId13"/>
+    <p:sldId id="270" r:id="rId14"/>
+    <p:sldId id="271" r:id="rId15"/>
+    <p:sldId id="273" r:id="rId16"/>
+    <p:sldId id="274" r:id="rId17"/>
+    <p:sldId id="275" r:id="rId18"/>
+    <p:sldId id="272" r:id="rId19"/>
   </p:sldIdLst>
   <p:sldSz cx="9144000" cy="6858000" type="screen4x3"/>
   <p:notesSz cx="6858000" cy="9144000"/>
@@ -299,7 +306,7 @@
             <a:fld id="{ABA33D9C-9DC0-4092-A242-D8F8A73AC770}" type="datetimeFigureOut">
               <a:rPr lang="es-AR" smtClean="0"/>
               <a:pPr/>
-              <a:t>16/11/2011</a:t>
+              <a:t>18/11/2011</a:t>
             </a:fld>
             <a:endParaRPr lang="es-AR"/>
           </a:p>
@@ -466,7 +473,7 @@
             <a:fld id="{ABA33D9C-9DC0-4092-A242-D8F8A73AC770}" type="datetimeFigureOut">
               <a:rPr lang="es-AR" smtClean="0"/>
               <a:pPr/>
-              <a:t>16/11/2011</a:t>
+              <a:t>18/11/2011</a:t>
             </a:fld>
             <a:endParaRPr lang="es-AR"/>
           </a:p>
@@ -643,7 +650,7 @@
             <a:fld id="{ABA33D9C-9DC0-4092-A242-D8F8A73AC770}" type="datetimeFigureOut">
               <a:rPr lang="es-AR" smtClean="0"/>
               <a:pPr/>
-              <a:t>16/11/2011</a:t>
+              <a:t>18/11/2011</a:t>
             </a:fld>
             <a:endParaRPr lang="es-AR"/>
           </a:p>
@@ -810,7 +817,7 @@
             <a:fld id="{ABA33D9C-9DC0-4092-A242-D8F8A73AC770}" type="datetimeFigureOut">
               <a:rPr lang="es-AR" smtClean="0"/>
               <a:pPr/>
-              <a:t>16/11/2011</a:t>
+              <a:t>18/11/2011</a:t>
             </a:fld>
             <a:endParaRPr lang="es-AR"/>
           </a:p>
@@ -1053,7 +1060,7 @@
             <a:fld id="{ABA33D9C-9DC0-4092-A242-D8F8A73AC770}" type="datetimeFigureOut">
               <a:rPr lang="es-AR" smtClean="0"/>
               <a:pPr/>
-              <a:t>16/11/2011</a:t>
+              <a:t>18/11/2011</a:t>
             </a:fld>
             <a:endParaRPr lang="es-AR"/>
           </a:p>
@@ -1338,7 +1345,7 @@
             <a:fld id="{ABA33D9C-9DC0-4092-A242-D8F8A73AC770}" type="datetimeFigureOut">
               <a:rPr lang="es-AR" smtClean="0"/>
               <a:pPr/>
-              <a:t>16/11/2011</a:t>
+              <a:t>18/11/2011</a:t>
             </a:fld>
             <a:endParaRPr lang="es-AR"/>
           </a:p>
@@ -1757,7 +1764,7 @@
             <a:fld id="{ABA33D9C-9DC0-4092-A242-D8F8A73AC770}" type="datetimeFigureOut">
               <a:rPr lang="es-AR" smtClean="0"/>
               <a:pPr/>
-              <a:t>16/11/2011</a:t>
+              <a:t>18/11/2011</a:t>
             </a:fld>
             <a:endParaRPr lang="es-AR"/>
           </a:p>
@@ -1872,7 +1879,7 @@
             <a:fld id="{ABA33D9C-9DC0-4092-A242-D8F8A73AC770}" type="datetimeFigureOut">
               <a:rPr lang="es-AR" smtClean="0"/>
               <a:pPr/>
-              <a:t>16/11/2011</a:t>
+              <a:t>18/11/2011</a:t>
             </a:fld>
             <a:endParaRPr lang="es-AR"/>
           </a:p>
@@ -1964,7 +1971,7 @@
             <a:fld id="{ABA33D9C-9DC0-4092-A242-D8F8A73AC770}" type="datetimeFigureOut">
               <a:rPr lang="es-AR" smtClean="0"/>
               <a:pPr/>
-              <a:t>16/11/2011</a:t>
+              <a:t>18/11/2011</a:t>
             </a:fld>
             <a:endParaRPr lang="es-AR"/>
           </a:p>
@@ -2238,7 +2245,7 @@
             <a:fld id="{ABA33D9C-9DC0-4092-A242-D8F8A73AC770}" type="datetimeFigureOut">
               <a:rPr lang="es-AR" smtClean="0"/>
               <a:pPr/>
-              <a:t>16/11/2011</a:t>
+              <a:t>18/11/2011</a:t>
             </a:fld>
             <a:endParaRPr lang="es-AR"/>
           </a:p>
@@ -2488,7 +2495,7 @@
             <a:fld id="{ABA33D9C-9DC0-4092-A242-D8F8A73AC770}" type="datetimeFigureOut">
               <a:rPr lang="es-AR" smtClean="0"/>
               <a:pPr/>
-              <a:t>16/11/2011</a:t>
+              <a:t>18/11/2011</a:t>
             </a:fld>
             <a:endParaRPr lang="es-AR"/>
           </a:p>
@@ -2698,7 +2705,7 @@
             <a:fld id="{ABA33D9C-9DC0-4092-A242-D8F8A73AC770}" type="datetimeFigureOut">
               <a:rPr lang="es-AR" smtClean="0"/>
               <a:pPr/>
-              <a:t>16/11/2011</a:t>
+              <a:t>18/11/2011</a:t>
             </a:fld>
             <a:endParaRPr lang="es-AR"/>
           </a:p>
@@ -3426,150 +3433,1471 @@
           <a:chExt cx="0" cy="0"/>
         </a:xfrm>
       </p:grpSpPr>
-      <p:sp>
-        <p:nvSpPr>
-          <p:cNvPr id="11" name="10 Rectángulo"/>
-          <p:cNvSpPr/>
+      <p:grpSp>
+        <p:nvGrpSpPr>
+          <p:cNvPr id="8" name="7 Grupo"/>
+          <p:cNvGrpSpPr/>
           <p:nvPr/>
-        </p:nvSpPr>
-        <p:spPr>
+        </p:nvGrpSpPr>
+        <p:grpSpPr>
           <a:xfrm>
-            <a:off x="6012160" y="3212976"/>
-            <a:ext cx="504056" cy="432048"/>
+            <a:off x="-1476375" y="-76200"/>
+            <a:ext cx="12096750" cy="7010400"/>
+            <a:chOff x="-1476375" y="-76200"/>
+            <a:chExt cx="12096750" cy="7010400"/>
           </a:xfrm>
-          <a:prstGeom prst="rect">
-            <a:avLst/>
-          </a:prstGeom>
-          <a:solidFill>
-            <a:srgbClr val="92D050"/>
-          </a:solidFill>
-          <a:ln>
+        </p:grpSpPr>
+        <p:pic>
+          <p:nvPicPr>
+            <p:cNvPr id="1026" name="Picture 2" descr="L:\UTN\5to Año\Proyecto Final\Metalurgica\03_iteraciones\6ta_iteracion\Manuales\Manual de Usuario\Metalsoft_Interfaces\Presupuesto\presupuesto.png"/>
+            <p:cNvPicPr>
+              <a:picLocks noChangeAspect="1" noChangeArrowheads="1"/>
+            </p:cNvPicPr>
+            <p:nvPr/>
+          </p:nvPicPr>
+          <p:blipFill>
+            <a:blip r:embed="rId2" cstate="print"/>
+            <a:srcRect/>
+            <a:stretch>
+              <a:fillRect/>
+            </a:stretch>
+          </p:blipFill>
+          <p:spPr bwMode="auto">
+            <a:xfrm>
+              <a:off x="-1476375" y="-76200"/>
+              <a:ext cx="12096750" cy="7010400"/>
+            </a:xfrm>
+            <a:prstGeom prst="rect">
+              <a:avLst/>
+            </a:prstGeom>
             <a:noFill/>
-          </a:ln>
-          <a:effectLst>
-            <a:outerShdw blurRad="50800" dist="38100" dir="5400000" algn="t" rotWithShape="0">
-              <a:prstClr val="black">
-                <a:alpha val="40000"/>
-              </a:prstClr>
-            </a:outerShdw>
-          </a:effectLst>
-          <a:scene3d>
-            <a:camera prst="orthographicFront">
-              <a:rot lat="0" lon="0" rev="0"/>
-            </a:camera>
-            <a:lightRig rig="contrasting" dir="t">
-              <a:rot lat="0" lon="0" rev="1500000"/>
-            </a:lightRig>
-          </a:scene3d>
-          <a:sp3d prstMaterial="metal">
-            <a:bevelT w="88900" h="88900"/>
-          </a:sp3d>
-        </p:spPr>
-        <p:style>
-          <a:lnRef idx="2">
-            <a:schemeClr val="accent1">
-              <a:shade val="50000"/>
-            </a:schemeClr>
-          </a:lnRef>
-          <a:fillRef idx="1">
-            <a:schemeClr val="accent1"/>
-          </a:fillRef>
-          <a:effectRef idx="0">
-            <a:schemeClr val="accent1"/>
-          </a:effectRef>
-          <a:fontRef idx="minor">
-            <a:schemeClr val="lt1"/>
-          </a:fontRef>
-        </p:style>
-        <p:txBody>
-          <a:bodyPr rtlCol="0" anchor="ctr"/>
-          <a:lstStyle/>
-          <a:p>
-            <a:pPr algn="ctr"/>
-            <a:r>
-              <a:rPr lang="es-AR" b="1" dirty="0" smtClean="0"/>
-              <a:t>1.</a:t>
-            </a:r>
-            <a:endParaRPr lang="es-AR" b="1" dirty="0"/>
-          </a:p>
-        </p:txBody>
-      </p:sp>
-      <p:sp>
-        <p:nvSpPr>
-          <p:cNvPr id="12" name="11 Rectángulo redondeado"/>
-          <p:cNvSpPr/>
-          <p:nvPr/>
-        </p:nvSpPr>
-        <p:spPr>
-          <a:xfrm>
-            <a:off x="4067944" y="3212976"/>
-            <a:ext cx="1800200" cy="432048"/>
-          </a:xfrm>
-          <a:prstGeom prst="roundRect">
-            <a:avLst/>
-          </a:prstGeom>
-          <a:noFill/>
-          <a:ln w="50800">
+          </p:spPr>
+        </p:pic>
+        <p:sp>
+          <p:nvSpPr>
+            <p:cNvPr id="11" name="10 Rectángulo"/>
+            <p:cNvSpPr/>
+            <p:nvPr/>
+          </p:nvSpPr>
+          <p:spPr>
+            <a:xfrm>
+              <a:off x="3563888" y="1988840"/>
+              <a:ext cx="504056" cy="432048"/>
+            </a:xfrm>
+            <a:prstGeom prst="rect">
+              <a:avLst/>
+            </a:prstGeom>
             <a:solidFill>
               <a:srgbClr val="92D050"/>
             </a:solidFill>
-          </a:ln>
-        </p:spPr>
-        <p:style>
-          <a:lnRef idx="2">
-            <a:schemeClr val="accent1">
-              <a:shade val="50000"/>
-            </a:schemeClr>
-          </a:lnRef>
-          <a:fillRef idx="1">
-            <a:schemeClr val="accent1"/>
-          </a:fillRef>
-          <a:effectRef idx="0">
-            <a:schemeClr val="accent1"/>
-          </a:effectRef>
-          <a:fontRef idx="minor">
-            <a:schemeClr val="lt1"/>
-          </a:fontRef>
-        </p:style>
-        <p:txBody>
-          <a:bodyPr rtlCol="0" anchor="ctr"/>
-          <a:lstStyle/>
-          <a:p>
-            <a:pPr algn="ctr"/>
-            <a:endParaRPr lang="es-AR"/>
-          </a:p>
-        </p:txBody>
-      </p:sp>
-      <p:sp>
-        <p:nvSpPr>
-          <p:cNvPr id="4" name="3 CuadroTexto"/>
-          <p:cNvSpPr txBox="1"/>
+            <a:ln>
+              <a:noFill/>
+            </a:ln>
+            <a:effectLst>
+              <a:outerShdw blurRad="50800" dist="38100" dir="5400000" algn="t" rotWithShape="0">
+                <a:prstClr val="black">
+                  <a:alpha val="40000"/>
+                </a:prstClr>
+              </a:outerShdw>
+            </a:effectLst>
+            <a:scene3d>
+              <a:camera prst="orthographicFront">
+                <a:rot lat="0" lon="0" rev="0"/>
+              </a:camera>
+              <a:lightRig rig="contrasting" dir="t">
+                <a:rot lat="0" lon="0" rev="1500000"/>
+              </a:lightRig>
+            </a:scene3d>
+            <a:sp3d prstMaterial="metal">
+              <a:bevelT w="88900" h="88900"/>
+            </a:sp3d>
+          </p:spPr>
+          <p:style>
+            <a:lnRef idx="2">
+              <a:schemeClr val="accent1">
+                <a:shade val="50000"/>
+              </a:schemeClr>
+            </a:lnRef>
+            <a:fillRef idx="1">
+              <a:schemeClr val="accent1"/>
+            </a:fillRef>
+            <a:effectRef idx="0">
+              <a:schemeClr val="accent1"/>
+            </a:effectRef>
+            <a:fontRef idx="minor">
+              <a:schemeClr val="lt1"/>
+            </a:fontRef>
+          </p:style>
+          <p:txBody>
+            <a:bodyPr rtlCol="0" anchor="ctr"/>
+            <a:lstStyle/>
+            <a:p>
+              <a:pPr algn="ctr"/>
+              <a:r>
+                <a:rPr lang="es-AR" b="1" dirty="0" smtClean="0"/>
+                <a:t>2</a:t>
+              </a:r>
+              <a:r>
+                <a:rPr lang="es-AR" b="1" dirty="0" smtClean="0"/>
+                <a:t>.</a:t>
+              </a:r>
+              <a:endParaRPr lang="es-AR" b="1" dirty="0"/>
+            </a:p>
+          </p:txBody>
+        </p:sp>
+        <p:sp>
+          <p:nvSpPr>
+            <p:cNvPr id="5" name="4 Rectángulo"/>
+            <p:cNvSpPr/>
+            <p:nvPr/>
+          </p:nvSpPr>
+          <p:spPr>
+            <a:xfrm>
+              <a:off x="-1116632" y="1412776"/>
+              <a:ext cx="504056" cy="432048"/>
+            </a:xfrm>
+            <a:prstGeom prst="rect">
+              <a:avLst/>
+            </a:prstGeom>
+            <a:solidFill>
+              <a:srgbClr val="92D050"/>
+            </a:solidFill>
+            <a:ln>
+              <a:noFill/>
+            </a:ln>
+            <a:effectLst>
+              <a:outerShdw blurRad="50800" dist="38100" dir="5400000" algn="t" rotWithShape="0">
+                <a:prstClr val="black">
+                  <a:alpha val="40000"/>
+                </a:prstClr>
+              </a:outerShdw>
+            </a:effectLst>
+            <a:scene3d>
+              <a:camera prst="orthographicFront">
+                <a:rot lat="0" lon="0" rev="0"/>
+              </a:camera>
+              <a:lightRig rig="contrasting" dir="t">
+                <a:rot lat="0" lon="0" rev="1500000"/>
+              </a:lightRig>
+            </a:scene3d>
+            <a:sp3d prstMaterial="metal">
+              <a:bevelT w="88900" h="88900"/>
+            </a:sp3d>
+          </p:spPr>
+          <p:style>
+            <a:lnRef idx="2">
+              <a:schemeClr val="accent1">
+                <a:shade val="50000"/>
+              </a:schemeClr>
+            </a:lnRef>
+            <a:fillRef idx="1">
+              <a:schemeClr val="accent1"/>
+            </a:fillRef>
+            <a:effectRef idx="0">
+              <a:schemeClr val="accent1"/>
+            </a:effectRef>
+            <a:fontRef idx="minor">
+              <a:schemeClr val="lt1"/>
+            </a:fontRef>
+          </p:style>
+          <p:txBody>
+            <a:bodyPr rtlCol="0" anchor="ctr"/>
+            <a:lstStyle/>
+            <a:p>
+              <a:pPr algn="ctr"/>
+              <a:r>
+                <a:rPr lang="es-AR" b="1" dirty="0" smtClean="0"/>
+                <a:t>1.</a:t>
+              </a:r>
+              <a:endParaRPr lang="es-AR" b="1" dirty="0"/>
+            </a:p>
+          </p:txBody>
+        </p:sp>
+        <p:sp>
+          <p:nvSpPr>
+            <p:cNvPr id="6" name="5 Rectángulo redondeado"/>
+            <p:cNvSpPr/>
+            <p:nvPr/>
+          </p:nvSpPr>
+          <p:spPr>
+            <a:xfrm>
+              <a:off x="-1332656" y="764704"/>
+              <a:ext cx="6480720" cy="648072"/>
+            </a:xfrm>
+            <a:prstGeom prst="roundRect">
+              <a:avLst/>
+            </a:prstGeom>
+            <a:noFill/>
+            <a:ln w="50800">
+              <a:solidFill>
+                <a:srgbClr val="92D050"/>
+              </a:solidFill>
+            </a:ln>
+          </p:spPr>
+          <p:style>
+            <a:lnRef idx="2">
+              <a:schemeClr val="accent1">
+                <a:shade val="50000"/>
+              </a:schemeClr>
+            </a:lnRef>
+            <a:fillRef idx="1">
+              <a:schemeClr val="accent1"/>
+            </a:fillRef>
+            <a:effectRef idx="0">
+              <a:schemeClr val="accent1"/>
+            </a:effectRef>
+            <a:fontRef idx="minor">
+              <a:schemeClr val="lt1"/>
+            </a:fontRef>
+          </p:style>
+          <p:txBody>
+            <a:bodyPr rtlCol="0" anchor="ctr"/>
+            <a:lstStyle/>
+            <a:p>
+              <a:pPr algn="ctr"/>
+              <a:endParaRPr lang="es-AR"/>
+            </a:p>
+          </p:txBody>
+        </p:sp>
+      </p:grpSp>
+    </p:spTree>
+  </p:cSld>
+  <p:clrMapOvr>
+    <a:masterClrMapping/>
+  </p:clrMapOvr>
+</p:sld>
+</file>
+
+<file path=ppt/slides/slide12.xml><?xml version="1.0" encoding="utf-8"?>
+<p:sld xmlns:a="http://schemas.openxmlformats.org/drawingml/2006/main" xmlns:r="http://schemas.openxmlformats.org/officeDocument/2006/relationships" xmlns:p="http://schemas.openxmlformats.org/presentationml/2006/main">
+  <p:cSld>
+    <p:spTree>
+      <p:nvGrpSpPr>
+        <p:cNvPr id="1" name=""/>
+        <p:cNvGrpSpPr/>
+        <p:nvPr/>
+      </p:nvGrpSpPr>
+      <p:grpSpPr>
+        <a:xfrm>
+          <a:off x="0" y="0"/>
+          <a:ext cx="0" cy="0"/>
+          <a:chOff x="0" y="0"/>
+          <a:chExt cx="0" cy="0"/>
+        </a:xfrm>
+      </p:grpSpPr>
+      <p:grpSp>
+        <p:nvGrpSpPr>
+          <p:cNvPr id="13" name="12 Grupo"/>
+          <p:cNvGrpSpPr/>
           <p:nvPr/>
-        </p:nvSpPr>
-        <p:spPr>
+        </p:nvGrpSpPr>
+        <p:grpSpPr>
           <a:xfrm>
-            <a:off x="827584" y="908720"/>
-            <a:ext cx="3978974" cy="369332"/>
+            <a:off x="-1476375" y="-76200"/>
+            <a:ext cx="12096750" cy="7010400"/>
+            <a:chOff x="-1476375" y="-76200"/>
+            <a:chExt cx="12096750" cy="7010400"/>
+          </a:xfrm>
+        </p:grpSpPr>
+        <p:pic>
+          <p:nvPicPr>
+            <p:cNvPr id="2050" name="Picture 2" descr="L:\UTN\5to Año\Proyecto Final\Metalurgica\03_iteraciones\6ta_iteracion\Manuales\Manual de Usuario\Metalsoft_Interfaces\Presupuesto\presupuesto2.png"/>
+            <p:cNvPicPr>
+              <a:picLocks noChangeAspect="1" noChangeArrowheads="1"/>
+            </p:cNvPicPr>
+            <p:nvPr/>
+          </p:nvPicPr>
+          <p:blipFill>
+            <a:blip r:embed="rId2" cstate="print"/>
+            <a:srcRect/>
+            <a:stretch>
+              <a:fillRect/>
+            </a:stretch>
+          </p:blipFill>
+          <p:spPr bwMode="auto">
+            <a:xfrm>
+              <a:off x="-1476375" y="-76200"/>
+              <a:ext cx="12096750" cy="7010400"/>
+            </a:xfrm>
+            <a:prstGeom prst="rect">
+              <a:avLst/>
+            </a:prstGeom>
+            <a:noFill/>
+          </p:spPr>
+        </p:pic>
+        <p:sp>
+          <p:nvSpPr>
+            <p:cNvPr id="6" name="5 Rectángulo redondeado"/>
+            <p:cNvSpPr/>
+            <p:nvPr/>
+          </p:nvSpPr>
+          <p:spPr>
+            <a:xfrm>
+              <a:off x="5364088" y="1124744"/>
+              <a:ext cx="4896544" cy="4536504"/>
+            </a:xfrm>
+            <a:prstGeom prst="roundRect">
+              <a:avLst>
+                <a:gd name="adj" fmla="val 5503"/>
+              </a:avLst>
+            </a:prstGeom>
+            <a:noFill/>
+            <a:ln w="50800">
+              <a:solidFill>
+                <a:srgbClr val="92D050"/>
+              </a:solidFill>
+            </a:ln>
+          </p:spPr>
+          <p:style>
+            <a:lnRef idx="2">
+              <a:schemeClr val="accent1">
+                <a:shade val="50000"/>
+              </a:schemeClr>
+            </a:lnRef>
+            <a:fillRef idx="1">
+              <a:schemeClr val="accent1"/>
+            </a:fillRef>
+            <a:effectRef idx="0">
+              <a:schemeClr val="accent1"/>
+            </a:effectRef>
+            <a:fontRef idx="minor">
+              <a:schemeClr val="lt1"/>
+            </a:fontRef>
+          </p:style>
+          <p:txBody>
+            <a:bodyPr rtlCol="0" anchor="ctr"/>
+            <a:lstStyle/>
+            <a:p>
+              <a:pPr algn="ctr"/>
+              <a:endParaRPr lang="es-AR"/>
+            </a:p>
+          </p:txBody>
+        </p:sp>
+        <p:sp>
+          <p:nvSpPr>
+            <p:cNvPr id="7" name="6 Rectángulo"/>
+            <p:cNvSpPr/>
+            <p:nvPr/>
+          </p:nvSpPr>
+          <p:spPr>
+            <a:xfrm>
+              <a:off x="6372200" y="476672"/>
+              <a:ext cx="504056" cy="432048"/>
+            </a:xfrm>
+            <a:prstGeom prst="rect">
+              <a:avLst/>
+            </a:prstGeom>
+            <a:solidFill>
+              <a:srgbClr val="92D050"/>
+            </a:solidFill>
+            <a:ln>
+              <a:noFill/>
+            </a:ln>
+            <a:effectLst>
+              <a:outerShdw blurRad="50800" dist="38100" dir="5400000" algn="t" rotWithShape="0">
+                <a:prstClr val="black">
+                  <a:alpha val="40000"/>
+                </a:prstClr>
+              </a:outerShdw>
+            </a:effectLst>
+            <a:scene3d>
+              <a:camera prst="orthographicFront">
+                <a:rot lat="0" lon="0" rev="0"/>
+              </a:camera>
+              <a:lightRig rig="contrasting" dir="t">
+                <a:rot lat="0" lon="0" rev="1500000"/>
+              </a:lightRig>
+            </a:scene3d>
+            <a:sp3d prstMaterial="metal">
+              <a:bevelT w="88900" h="88900"/>
+            </a:sp3d>
+          </p:spPr>
+          <p:style>
+            <a:lnRef idx="2">
+              <a:schemeClr val="accent1">
+                <a:shade val="50000"/>
+              </a:schemeClr>
+            </a:lnRef>
+            <a:fillRef idx="1">
+              <a:schemeClr val="accent1"/>
+            </a:fillRef>
+            <a:effectRef idx="0">
+              <a:schemeClr val="accent1"/>
+            </a:effectRef>
+            <a:fontRef idx="minor">
+              <a:schemeClr val="lt1"/>
+            </a:fontRef>
+          </p:style>
+          <p:txBody>
+            <a:bodyPr rtlCol="0" anchor="ctr"/>
+            <a:lstStyle/>
+            <a:p>
+              <a:pPr algn="ctr"/>
+              <a:r>
+                <a:rPr lang="es-AR" b="1" dirty="0" smtClean="0"/>
+                <a:t>2</a:t>
+              </a:r>
+              <a:r>
+                <a:rPr lang="es-AR" b="1" dirty="0" smtClean="0"/>
+                <a:t>.</a:t>
+              </a:r>
+              <a:endParaRPr lang="es-AR" b="1" dirty="0"/>
+            </a:p>
+          </p:txBody>
+        </p:sp>
+        <p:sp>
+          <p:nvSpPr>
+            <p:cNvPr id="8" name="7 Rectángulo"/>
+            <p:cNvSpPr/>
+            <p:nvPr/>
+          </p:nvSpPr>
+          <p:spPr>
+            <a:xfrm>
+              <a:off x="2051720" y="2636912"/>
+              <a:ext cx="504056" cy="432048"/>
+            </a:xfrm>
+            <a:prstGeom prst="rect">
+              <a:avLst/>
+            </a:prstGeom>
+            <a:solidFill>
+              <a:srgbClr val="92D050"/>
+            </a:solidFill>
+            <a:ln>
+              <a:noFill/>
+            </a:ln>
+            <a:effectLst>
+              <a:outerShdw blurRad="50800" dist="38100" dir="5400000" algn="t" rotWithShape="0">
+                <a:prstClr val="black">
+                  <a:alpha val="40000"/>
+                </a:prstClr>
+              </a:outerShdw>
+            </a:effectLst>
+            <a:scene3d>
+              <a:camera prst="orthographicFront">
+                <a:rot lat="0" lon="0" rev="0"/>
+              </a:camera>
+              <a:lightRig rig="contrasting" dir="t">
+                <a:rot lat="0" lon="0" rev="1500000"/>
+              </a:lightRig>
+            </a:scene3d>
+            <a:sp3d prstMaterial="metal">
+              <a:bevelT w="88900" h="88900"/>
+            </a:sp3d>
+          </p:spPr>
+          <p:style>
+            <a:lnRef idx="2">
+              <a:schemeClr val="accent1">
+                <a:shade val="50000"/>
+              </a:schemeClr>
+            </a:lnRef>
+            <a:fillRef idx="1">
+              <a:schemeClr val="accent1"/>
+            </a:fillRef>
+            <a:effectRef idx="0">
+              <a:schemeClr val="accent1"/>
+            </a:effectRef>
+            <a:fontRef idx="minor">
+              <a:schemeClr val="lt1"/>
+            </a:fontRef>
+          </p:style>
+          <p:txBody>
+            <a:bodyPr rtlCol="0" anchor="ctr"/>
+            <a:lstStyle/>
+            <a:p>
+              <a:pPr algn="ctr"/>
+              <a:r>
+                <a:rPr lang="es-AR" b="1" dirty="0" smtClean="0"/>
+                <a:t>1.</a:t>
+              </a:r>
+              <a:endParaRPr lang="es-AR" b="1" dirty="0"/>
+            </a:p>
+          </p:txBody>
+        </p:sp>
+        <p:sp>
+          <p:nvSpPr>
+            <p:cNvPr id="9" name="8 Rectángulo redondeado"/>
+            <p:cNvSpPr/>
+            <p:nvPr/>
+          </p:nvSpPr>
+          <p:spPr>
+            <a:xfrm>
+              <a:off x="-1260648" y="2348880"/>
+              <a:ext cx="4896544" cy="1224136"/>
+            </a:xfrm>
+            <a:prstGeom prst="roundRect">
+              <a:avLst>
+                <a:gd name="adj" fmla="val 5503"/>
+              </a:avLst>
+            </a:prstGeom>
+            <a:noFill/>
+            <a:ln w="50800">
+              <a:solidFill>
+                <a:srgbClr val="92D050"/>
+              </a:solidFill>
+            </a:ln>
+          </p:spPr>
+          <p:style>
+            <a:lnRef idx="2">
+              <a:schemeClr val="accent1">
+                <a:shade val="50000"/>
+              </a:schemeClr>
+            </a:lnRef>
+            <a:fillRef idx="1">
+              <a:schemeClr val="accent1"/>
+            </a:fillRef>
+            <a:effectRef idx="0">
+              <a:schemeClr val="accent1"/>
+            </a:effectRef>
+            <a:fontRef idx="minor">
+              <a:schemeClr val="lt1"/>
+            </a:fontRef>
+          </p:style>
+          <p:txBody>
+            <a:bodyPr rtlCol="0" anchor="ctr"/>
+            <a:lstStyle/>
+            <a:p>
+              <a:pPr algn="ctr"/>
+              <a:endParaRPr lang="es-AR"/>
+            </a:p>
+          </p:txBody>
+        </p:sp>
+        <p:sp>
+          <p:nvSpPr>
+            <p:cNvPr id="10" name="9 Rectángulo"/>
+            <p:cNvSpPr/>
+            <p:nvPr/>
+          </p:nvSpPr>
+          <p:spPr>
+            <a:xfrm>
+              <a:off x="4932040" y="5733256"/>
+              <a:ext cx="504056" cy="432048"/>
+            </a:xfrm>
+            <a:prstGeom prst="rect">
+              <a:avLst/>
+            </a:prstGeom>
+            <a:solidFill>
+              <a:srgbClr val="92D050"/>
+            </a:solidFill>
+            <a:ln>
+              <a:noFill/>
+            </a:ln>
+            <a:effectLst>
+              <a:outerShdw blurRad="50800" dist="38100" dir="5400000" algn="t" rotWithShape="0">
+                <a:prstClr val="black">
+                  <a:alpha val="40000"/>
+                </a:prstClr>
+              </a:outerShdw>
+            </a:effectLst>
+            <a:scene3d>
+              <a:camera prst="orthographicFront">
+                <a:rot lat="0" lon="0" rev="0"/>
+              </a:camera>
+              <a:lightRig rig="contrasting" dir="t">
+                <a:rot lat="0" lon="0" rev="1500000"/>
+              </a:lightRig>
+            </a:scene3d>
+            <a:sp3d prstMaterial="metal">
+              <a:bevelT w="88900" h="88900"/>
+            </a:sp3d>
+          </p:spPr>
+          <p:style>
+            <a:lnRef idx="2">
+              <a:schemeClr val="accent1">
+                <a:shade val="50000"/>
+              </a:schemeClr>
+            </a:lnRef>
+            <a:fillRef idx="1">
+              <a:schemeClr val="accent1"/>
+            </a:fillRef>
+            <a:effectRef idx="0">
+              <a:schemeClr val="accent1"/>
+            </a:effectRef>
+            <a:fontRef idx="minor">
+              <a:schemeClr val="lt1"/>
+            </a:fontRef>
+          </p:style>
+          <p:txBody>
+            <a:bodyPr rtlCol="0" anchor="ctr"/>
+            <a:lstStyle/>
+            <a:p>
+              <a:pPr algn="ctr"/>
+              <a:r>
+                <a:rPr lang="es-AR" b="1" dirty="0" smtClean="0"/>
+                <a:t>3</a:t>
+              </a:r>
+              <a:r>
+                <a:rPr lang="es-AR" b="1" dirty="0" smtClean="0"/>
+                <a:t>.</a:t>
+              </a:r>
+              <a:endParaRPr lang="es-AR" b="1" dirty="0"/>
+            </a:p>
+          </p:txBody>
+        </p:sp>
+      </p:grpSp>
+    </p:spTree>
+  </p:cSld>
+  <p:clrMapOvr>
+    <a:masterClrMapping/>
+  </p:clrMapOvr>
+</p:sld>
+</file>
+
+<file path=ppt/slides/slide13.xml><?xml version="1.0" encoding="utf-8"?>
+<p:sld xmlns:a="http://schemas.openxmlformats.org/drawingml/2006/main" xmlns:r="http://schemas.openxmlformats.org/officeDocument/2006/relationships" xmlns:p="http://schemas.openxmlformats.org/presentationml/2006/main">
+  <p:cSld>
+    <p:spTree>
+      <p:nvGrpSpPr>
+        <p:cNvPr id="1" name=""/>
+        <p:cNvGrpSpPr/>
+        <p:nvPr/>
+      </p:nvGrpSpPr>
+      <p:grpSpPr>
+        <a:xfrm>
+          <a:off x="0" y="0"/>
+          <a:ext cx="0" cy="0"/>
+          <a:chOff x="0" y="0"/>
+          <a:chExt cx="0" cy="0"/>
+        </a:xfrm>
+      </p:grpSpPr>
+      <p:grpSp>
+        <p:nvGrpSpPr>
+          <p:cNvPr id="6" name="5 Grupo"/>
+          <p:cNvGrpSpPr/>
+          <p:nvPr/>
+        </p:nvGrpSpPr>
+        <p:grpSpPr>
+          <a:xfrm>
+            <a:off x="-1509713" y="-57150"/>
+            <a:ext cx="12163426" cy="6972300"/>
+            <a:chOff x="-1509713" y="-57150"/>
+            <a:chExt cx="12163426" cy="6972300"/>
+          </a:xfrm>
+        </p:grpSpPr>
+        <p:pic>
+          <p:nvPicPr>
+            <p:cNvPr id="3074" name="Picture 2" descr="L:\UTN\5to Año\Proyecto Final\Metalurgica\03_iteraciones\6ta_iteracion\Manuales\Manual de Usuario\Metalsoft_Interfaces\Presupuesto\presupuesto3.png"/>
+            <p:cNvPicPr>
+              <a:picLocks noChangeAspect="1" noChangeArrowheads="1"/>
+            </p:cNvPicPr>
+            <p:nvPr/>
+          </p:nvPicPr>
+          <p:blipFill>
+            <a:blip r:embed="rId2" cstate="print"/>
+            <a:srcRect/>
+            <a:stretch>
+              <a:fillRect/>
+            </a:stretch>
+          </p:blipFill>
+          <p:spPr bwMode="auto">
+            <a:xfrm>
+              <a:off x="-1509713" y="-57150"/>
+              <a:ext cx="12163426" cy="6972300"/>
+            </a:xfrm>
+            <a:prstGeom prst="rect">
+              <a:avLst/>
+            </a:prstGeom>
+            <a:noFill/>
+          </p:spPr>
+        </p:pic>
+        <p:sp>
+          <p:nvSpPr>
+            <p:cNvPr id="3" name="2 Rectángulo"/>
+            <p:cNvSpPr/>
+            <p:nvPr/>
+          </p:nvSpPr>
+          <p:spPr>
+            <a:xfrm>
+              <a:off x="1043608" y="2924944"/>
+              <a:ext cx="504056" cy="432048"/>
+            </a:xfrm>
+            <a:prstGeom prst="rect">
+              <a:avLst/>
+            </a:prstGeom>
+            <a:solidFill>
+              <a:srgbClr val="92D050"/>
+            </a:solidFill>
+            <a:ln>
+              <a:noFill/>
+            </a:ln>
+            <a:effectLst>
+              <a:outerShdw blurRad="50800" dist="38100" dir="5400000" algn="t" rotWithShape="0">
+                <a:prstClr val="black">
+                  <a:alpha val="40000"/>
+                </a:prstClr>
+              </a:outerShdw>
+            </a:effectLst>
+            <a:scene3d>
+              <a:camera prst="orthographicFront">
+                <a:rot lat="0" lon="0" rev="0"/>
+              </a:camera>
+              <a:lightRig rig="contrasting" dir="t">
+                <a:rot lat="0" lon="0" rev="1500000"/>
+              </a:lightRig>
+            </a:scene3d>
+            <a:sp3d prstMaterial="metal">
+              <a:bevelT w="88900" h="88900"/>
+            </a:sp3d>
+          </p:spPr>
+          <p:style>
+            <a:lnRef idx="2">
+              <a:schemeClr val="accent1">
+                <a:shade val="50000"/>
+              </a:schemeClr>
+            </a:lnRef>
+            <a:fillRef idx="1">
+              <a:schemeClr val="accent1"/>
+            </a:fillRef>
+            <a:effectRef idx="0">
+              <a:schemeClr val="accent1"/>
+            </a:effectRef>
+            <a:fontRef idx="minor">
+              <a:schemeClr val="lt1"/>
+            </a:fontRef>
+          </p:style>
+          <p:txBody>
+            <a:bodyPr rtlCol="0" anchor="ctr"/>
+            <a:lstStyle/>
+            <a:p>
+              <a:pPr algn="ctr"/>
+              <a:r>
+                <a:rPr lang="es-AR" b="1" dirty="0" smtClean="0"/>
+                <a:t>1</a:t>
+              </a:r>
+              <a:r>
+                <a:rPr lang="es-AR" b="1" dirty="0" smtClean="0"/>
+                <a:t>.</a:t>
+              </a:r>
+              <a:endParaRPr lang="es-AR" b="1" dirty="0"/>
+            </a:p>
+          </p:txBody>
+        </p:sp>
+        <p:sp>
+          <p:nvSpPr>
+            <p:cNvPr id="4" name="3 Rectángulo redondeado"/>
+            <p:cNvSpPr/>
+            <p:nvPr/>
+          </p:nvSpPr>
+          <p:spPr>
+            <a:xfrm>
+              <a:off x="1043608" y="3573016"/>
+              <a:ext cx="6984776" cy="648072"/>
+            </a:xfrm>
+            <a:prstGeom prst="roundRect">
+              <a:avLst/>
+            </a:prstGeom>
+            <a:noFill/>
+            <a:ln w="50800">
+              <a:solidFill>
+                <a:srgbClr val="92D050"/>
+              </a:solidFill>
+            </a:ln>
+          </p:spPr>
+          <p:style>
+            <a:lnRef idx="2">
+              <a:schemeClr val="accent1">
+                <a:shade val="50000"/>
+              </a:schemeClr>
+            </a:lnRef>
+            <a:fillRef idx="1">
+              <a:schemeClr val="accent1"/>
+            </a:fillRef>
+            <a:effectRef idx="0">
+              <a:schemeClr val="accent1"/>
+            </a:effectRef>
+            <a:fontRef idx="minor">
+              <a:schemeClr val="lt1"/>
+            </a:fontRef>
+          </p:style>
+          <p:txBody>
+            <a:bodyPr rtlCol="0" anchor="ctr"/>
+            <a:lstStyle/>
+            <a:p>
+              <a:pPr algn="ctr"/>
+              <a:endParaRPr lang="es-AR"/>
+            </a:p>
+          </p:txBody>
+        </p:sp>
+        <p:sp>
+          <p:nvSpPr>
+            <p:cNvPr id="5" name="4 Rectángulo"/>
+            <p:cNvSpPr/>
+            <p:nvPr/>
+          </p:nvSpPr>
+          <p:spPr>
+            <a:xfrm>
+              <a:off x="2195736" y="4869160"/>
+              <a:ext cx="504056" cy="432048"/>
+            </a:xfrm>
+            <a:prstGeom prst="rect">
+              <a:avLst/>
+            </a:prstGeom>
+            <a:solidFill>
+              <a:srgbClr val="92D050"/>
+            </a:solidFill>
+            <a:ln>
+              <a:noFill/>
+            </a:ln>
+            <a:effectLst>
+              <a:outerShdw blurRad="50800" dist="38100" dir="5400000" algn="t" rotWithShape="0">
+                <a:prstClr val="black">
+                  <a:alpha val="40000"/>
+                </a:prstClr>
+              </a:outerShdw>
+            </a:effectLst>
+            <a:scene3d>
+              <a:camera prst="orthographicFront">
+                <a:rot lat="0" lon="0" rev="0"/>
+              </a:camera>
+              <a:lightRig rig="contrasting" dir="t">
+                <a:rot lat="0" lon="0" rev="1500000"/>
+              </a:lightRig>
+            </a:scene3d>
+            <a:sp3d prstMaterial="metal">
+              <a:bevelT w="88900" h="88900"/>
+            </a:sp3d>
+          </p:spPr>
+          <p:style>
+            <a:lnRef idx="2">
+              <a:schemeClr val="accent1">
+                <a:shade val="50000"/>
+              </a:schemeClr>
+            </a:lnRef>
+            <a:fillRef idx="1">
+              <a:schemeClr val="accent1"/>
+            </a:fillRef>
+            <a:effectRef idx="0">
+              <a:schemeClr val="accent1"/>
+            </a:effectRef>
+            <a:fontRef idx="minor">
+              <a:schemeClr val="lt1"/>
+            </a:fontRef>
+          </p:style>
+          <p:txBody>
+            <a:bodyPr rtlCol="0" anchor="ctr"/>
+            <a:lstStyle/>
+            <a:p>
+              <a:pPr algn="ctr"/>
+              <a:r>
+                <a:rPr lang="es-AR" b="1" dirty="0" smtClean="0"/>
+                <a:t>2</a:t>
+              </a:r>
+              <a:r>
+                <a:rPr lang="es-AR" b="1" dirty="0" smtClean="0"/>
+                <a:t>.</a:t>
+              </a:r>
+              <a:endParaRPr lang="es-AR" b="1" dirty="0"/>
+            </a:p>
+          </p:txBody>
+        </p:sp>
+      </p:grpSp>
+    </p:spTree>
+  </p:cSld>
+  <p:clrMapOvr>
+    <a:masterClrMapping/>
+  </p:clrMapOvr>
+</p:sld>
+</file>
+
+<file path=ppt/slides/slide14.xml><?xml version="1.0" encoding="utf-8"?>
+<p:sld xmlns:a="http://schemas.openxmlformats.org/drawingml/2006/main" xmlns:r="http://schemas.openxmlformats.org/officeDocument/2006/relationships" xmlns:p="http://schemas.openxmlformats.org/presentationml/2006/main">
+  <p:cSld>
+    <p:spTree>
+      <p:nvGrpSpPr>
+        <p:cNvPr id="1" name=""/>
+        <p:cNvGrpSpPr/>
+        <p:nvPr/>
+      </p:nvGrpSpPr>
+      <p:grpSpPr>
+        <a:xfrm>
+          <a:off x="0" y="0"/>
+          <a:ext cx="0" cy="0"/>
+          <a:chOff x="0" y="0"/>
+          <a:chExt cx="0" cy="0"/>
+        </a:xfrm>
+      </p:grpSpPr>
+      <p:grpSp>
+        <p:nvGrpSpPr>
+          <p:cNvPr id="4" name="3 Grupo"/>
+          <p:cNvGrpSpPr/>
+          <p:nvPr/>
+        </p:nvGrpSpPr>
+        <p:grpSpPr>
+          <a:xfrm>
+            <a:off x="-1500188" y="-57150"/>
+            <a:ext cx="12144376" cy="6972300"/>
+            <a:chOff x="-1500188" y="-57150"/>
+            <a:chExt cx="12144376" cy="6972300"/>
+          </a:xfrm>
+        </p:grpSpPr>
+        <p:pic>
+          <p:nvPicPr>
+            <p:cNvPr id="4098" name="Picture 2" descr="L:\UTN\5to Año\Proyecto Final\Metalurgica\03_iteraciones\6ta_iteracion\Manuales\Manual de Usuario\Metalsoft_Interfaces\Presupuesto\presupuesto4.png"/>
+            <p:cNvPicPr>
+              <a:picLocks noChangeAspect="1" noChangeArrowheads="1"/>
+            </p:cNvPicPr>
+            <p:nvPr/>
+          </p:nvPicPr>
+          <p:blipFill>
+            <a:blip r:embed="rId2" cstate="print"/>
+            <a:srcRect/>
+            <a:stretch>
+              <a:fillRect/>
+            </a:stretch>
+          </p:blipFill>
+          <p:spPr bwMode="auto">
+            <a:xfrm>
+              <a:off x="-1500188" y="-57150"/>
+              <a:ext cx="12144376" cy="6972300"/>
+            </a:xfrm>
+            <a:prstGeom prst="rect">
+              <a:avLst/>
+            </a:prstGeom>
+            <a:noFill/>
+          </p:spPr>
+        </p:pic>
+        <p:sp>
+          <p:nvSpPr>
+            <p:cNvPr id="3" name="2 Rectángulo"/>
+            <p:cNvSpPr/>
+            <p:nvPr/>
+          </p:nvSpPr>
+          <p:spPr>
+            <a:xfrm>
+              <a:off x="3563888" y="3573016"/>
+              <a:ext cx="504056" cy="432048"/>
+            </a:xfrm>
+            <a:prstGeom prst="rect">
+              <a:avLst/>
+            </a:prstGeom>
+            <a:solidFill>
+              <a:srgbClr val="92D050"/>
+            </a:solidFill>
+            <a:ln>
+              <a:noFill/>
+            </a:ln>
+            <a:effectLst>
+              <a:outerShdw blurRad="50800" dist="38100" dir="5400000" algn="t" rotWithShape="0">
+                <a:prstClr val="black">
+                  <a:alpha val="40000"/>
+                </a:prstClr>
+              </a:outerShdw>
+            </a:effectLst>
+            <a:scene3d>
+              <a:camera prst="orthographicFront">
+                <a:rot lat="0" lon="0" rev="0"/>
+              </a:camera>
+              <a:lightRig rig="contrasting" dir="t">
+                <a:rot lat="0" lon="0" rev="1500000"/>
+              </a:lightRig>
+            </a:scene3d>
+            <a:sp3d prstMaterial="metal">
+              <a:bevelT w="88900" h="88900"/>
+            </a:sp3d>
+          </p:spPr>
+          <p:style>
+            <a:lnRef idx="2">
+              <a:schemeClr val="accent1">
+                <a:shade val="50000"/>
+              </a:schemeClr>
+            </a:lnRef>
+            <a:fillRef idx="1">
+              <a:schemeClr val="accent1"/>
+            </a:fillRef>
+            <a:effectRef idx="0">
+              <a:schemeClr val="accent1"/>
+            </a:effectRef>
+            <a:fontRef idx="minor">
+              <a:schemeClr val="lt1"/>
+            </a:fontRef>
+          </p:style>
+          <p:txBody>
+            <a:bodyPr rtlCol="0" anchor="ctr"/>
+            <a:lstStyle/>
+            <a:p>
+              <a:pPr algn="ctr"/>
+              <a:r>
+                <a:rPr lang="es-AR" b="1" dirty="0" smtClean="0"/>
+                <a:t>1</a:t>
+              </a:r>
+              <a:r>
+                <a:rPr lang="es-AR" b="1" dirty="0" smtClean="0"/>
+                <a:t>.</a:t>
+              </a:r>
+              <a:endParaRPr lang="es-AR" b="1" dirty="0"/>
+            </a:p>
+          </p:txBody>
+        </p:sp>
+      </p:grpSp>
+    </p:spTree>
+  </p:cSld>
+  <p:clrMapOvr>
+    <a:masterClrMapping/>
+  </p:clrMapOvr>
+</p:sld>
+</file>
+
+<file path=ppt/slides/slide15.xml><?xml version="1.0" encoding="utf-8"?>
+<p:sld xmlns:a="http://schemas.openxmlformats.org/drawingml/2006/main" xmlns:r="http://schemas.openxmlformats.org/officeDocument/2006/relationships" xmlns:p="http://schemas.openxmlformats.org/presentationml/2006/main">
+  <p:cSld>
+    <p:spTree>
+      <p:nvGrpSpPr>
+        <p:cNvPr id="1" name=""/>
+        <p:cNvGrpSpPr/>
+        <p:nvPr/>
+      </p:nvGrpSpPr>
+      <p:grpSpPr>
+        <a:xfrm>
+          <a:off x="0" y="0"/>
+          <a:ext cx="0" cy="0"/>
+          <a:chOff x="0" y="0"/>
+          <a:chExt cx="0" cy="0"/>
+        </a:xfrm>
+      </p:grpSpPr>
+      <p:grpSp>
+        <p:nvGrpSpPr>
+          <p:cNvPr id="7" name="6 Grupo"/>
+          <p:cNvGrpSpPr/>
+          <p:nvPr/>
+        </p:nvGrpSpPr>
+        <p:grpSpPr>
+          <a:xfrm>
+            <a:off x="-1500188" y="-33338"/>
+            <a:ext cx="12144376" cy="6924676"/>
+            <a:chOff x="-1500188" y="-33338"/>
+            <a:chExt cx="12144376" cy="6924676"/>
+          </a:xfrm>
+        </p:grpSpPr>
+        <p:pic>
+          <p:nvPicPr>
+            <p:cNvPr id="5122" name="Picture 2" descr="L:\UTN\5to Año\Proyecto Final\Metalurgica\03_iteraciones\6ta_iteracion\Manuales\Manual de Usuario\Metalsoft_Interfaces\Presupuesto\presupuesto5.png"/>
+            <p:cNvPicPr>
+              <a:picLocks noChangeAspect="1" noChangeArrowheads="1"/>
+            </p:cNvPicPr>
+            <p:nvPr/>
+          </p:nvPicPr>
+          <p:blipFill>
+            <a:blip r:embed="rId2" cstate="print"/>
+            <a:srcRect/>
+            <a:stretch>
+              <a:fillRect/>
+            </a:stretch>
+          </p:blipFill>
+          <p:spPr bwMode="auto">
+            <a:xfrm>
+              <a:off x="-1500188" y="-33338"/>
+              <a:ext cx="12144376" cy="6924676"/>
+            </a:xfrm>
+            <a:prstGeom prst="rect">
+              <a:avLst/>
+            </a:prstGeom>
+            <a:noFill/>
+          </p:spPr>
+        </p:pic>
+        <p:sp>
+          <p:nvSpPr>
+            <p:cNvPr id="4" name="3 Rectángulo redondeado"/>
+            <p:cNvSpPr/>
+            <p:nvPr/>
+          </p:nvSpPr>
+          <p:spPr>
+            <a:xfrm>
+              <a:off x="2051720" y="2708920"/>
+              <a:ext cx="4968552" cy="648072"/>
+            </a:xfrm>
+            <a:prstGeom prst="roundRect">
+              <a:avLst/>
+            </a:prstGeom>
+            <a:noFill/>
+            <a:ln w="50800">
+              <a:solidFill>
+                <a:srgbClr val="92D050"/>
+              </a:solidFill>
+            </a:ln>
+          </p:spPr>
+          <p:style>
+            <a:lnRef idx="2">
+              <a:schemeClr val="accent1">
+                <a:shade val="50000"/>
+              </a:schemeClr>
+            </a:lnRef>
+            <a:fillRef idx="1">
+              <a:schemeClr val="accent1"/>
+            </a:fillRef>
+            <a:effectRef idx="0">
+              <a:schemeClr val="accent1"/>
+            </a:effectRef>
+            <a:fontRef idx="minor">
+              <a:schemeClr val="lt1"/>
+            </a:fontRef>
+          </p:style>
+          <p:txBody>
+            <a:bodyPr rtlCol="0" anchor="ctr"/>
+            <a:lstStyle/>
+            <a:p>
+              <a:pPr algn="ctr"/>
+              <a:endParaRPr lang="es-AR"/>
+            </a:p>
+          </p:txBody>
+        </p:sp>
+        <p:sp>
+          <p:nvSpPr>
+            <p:cNvPr id="5" name="4 Rectángulo"/>
+            <p:cNvSpPr/>
+            <p:nvPr/>
+          </p:nvSpPr>
+          <p:spPr>
+            <a:xfrm>
+              <a:off x="2123728" y="3356992"/>
+              <a:ext cx="504056" cy="432048"/>
+            </a:xfrm>
+            <a:prstGeom prst="rect">
+              <a:avLst/>
+            </a:prstGeom>
+            <a:solidFill>
+              <a:srgbClr val="92D050"/>
+            </a:solidFill>
+            <a:ln>
+              <a:noFill/>
+            </a:ln>
+            <a:effectLst>
+              <a:outerShdw blurRad="50800" dist="38100" dir="5400000" algn="t" rotWithShape="0">
+                <a:prstClr val="black">
+                  <a:alpha val="40000"/>
+                </a:prstClr>
+              </a:outerShdw>
+            </a:effectLst>
+            <a:scene3d>
+              <a:camera prst="orthographicFront">
+                <a:rot lat="0" lon="0" rev="0"/>
+              </a:camera>
+              <a:lightRig rig="contrasting" dir="t">
+                <a:rot lat="0" lon="0" rev="1500000"/>
+              </a:lightRig>
+            </a:scene3d>
+            <a:sp3d prstMaterial="metal">
+              <a:bevelT w="88900" h="88900"/>
+            </a:sp3d>
+          </p:spPr>
+          <p:style>
+            <a:lnRef idx="2">
+              <a:schemeClr val="accent1">
+                <a:shade val="50000"/>
+              </a:schemeClr>
+            </a:lnRef>
+            <a:fillRef idx="1">
+              <a:schemeClr val="accent1"/>
+            </a:fillRef>
+            <a:effectRef idx="0">
+              <a:schemeClr val="accent1"/>
+            </a:effectRef>
+            <a:fontRef idx="minor">
+              <a:schemeClr val="lt1"/>
+            </a:fontRef>
+          </p:style>
+          <p:txBody>
+            <a:bodyPr rtlCol="0" anchor="ctr"/>
+            <a:lstStyle/>
+            <a:p>
+              <a:pPr algn="ctr"/>
+              <a:r>
+                <a:rPr lang="es-AR" b="1" dirty="0" smtClean="0"/>
+                <a:t>1</a:t>
+              </a:r>
+              <a:r>
+                <a:rPr lang="es-AR" b="1" dirty="0" smtClean="0"/>
+                <a:t>.</a:t>
+              </a:r>
+              <a:endParaRPr lang="es-AR" b="1" dirty="0"/>
+            </a:p>
+          </p:txBody>
+        </p:sp>
+        <p:sp>
+          <p:nvSpPr>
+            <p:cNvPr id="6" name="5 Rectángulo"/>
+            <p:cNvSpPr/>
+            <p:nvPr/>
+          </p:nvSpPr>
+          <p:spPr>
+            <a:xfrm>
+              <a:off x="-828600" y="6309320"/>
+              <a:ext cx="504056" cy="432048"/>
+            </a:xfrm>
+            <a:prstGeom prst="rect">
+              <a:avLst/>
+            </a:prstGeom>
+            <a:solidFill>
+              <a:srgbClr val="92D050"/>
+            </a:solidFill>
+            <a:ln>
+              <a:noFill/>
+            </a:ln>
+            <a:effectLst>
+              <a:outerShdw blurRad="50800" dist="38100" dir="5400000" algn="t" rotWithShape="0">
+                <a:prstClr val="black">
+                  <a:alpha val="40000"/>
+                </a:prstClr>
+              </a:outerShdw>
+            </a:effectLst>
+            <a:scene3d>
+              <a:camera prst="orthographicFront">
+                <a:rot lat="0" lon="0" rev="0"/>
+              </a:camera>
+              <a:lightRig rig="contrasting" dir="t">
+                <a:rot lat="0" lon="0" rev="1500000"/>
+              </a:lightRig>
+            </a:scene3d>
+            <a:sp3d prstMaterial="metal">
+              <a:bevelT w="88900" h="88900"/>
+            </a:sp3d>
+          </p:spPr>
+          <p:style>
+            <a:lnRef idx="2">
+              <a:schemeClr val="accent1">
+                <a:shade val="50000"/>
+              </a:schemeClr>
+            </a:lnRef>
+            <a:fillRef idx="1">
+              <a:schemeClr val="accent1"/>
+            </a:fillRef>
+            <a:effectRef idx="0">
+              <a:schemeClr val="accent1"/>
+            </a:effectRef>
+            <a:fontRef idx="minor">
+              <a:schemeClr val="lt1"/>
+            </a:fontRef>
+          </p:style>
+          <p:txBody>
+            <a:bodyPr rtlCol="0" anchor="ctr"/>
+            <a:lstStyle/>
+            <a:p>
+              <a:pPr algn="ctr"/>
+              <a:r>
+                <a:rPr lang="es-AR" b="1" dirty="0" smtClean="0"/>
+                <a:t>2</a:t>
+              </a:r>
+              <a:r>
+                <a:rPr lang="es-AR" b="1" dirty="0" smtClean="0"/>
+                <a:t>.</a:t>
+              </a:r>
+              <a:endParaRPr lang="es-AR" b="1" dirty="0"/>
+            </a:p>
+          </p:txBody>
+        </p:sp>
+      </p:grpSp>
+    </p:spTree>
+  </p:cSld>
+  <p:clrMapOvr>
+    <a:masterClrMapping/>
+  </p:clrMapOvr>
+</p:sld>
+</file>
+
+<file path=ppt/slides/slide16.xml><?xml version="1.0" encoding="utf-8"?>
+<p:sld xmlns:a="http://schemas.openxmlformats.org/drawingml/2006/main" xmlns:r="http://schemas.openxmlformats.org/officeDocument/2006/relationships" xmlns:p="http://schemas.openxmlformats.org/presentationml/2006/main">
+  <p:cSld>
+    <p:spTree>
+      <p:nvGrpSpPr>
+        <p:cNvPr id="1" name=""/>
+        <p:cNvGrpSpPr/>
+        <p:nvPr/>
+      </p:nvGrpSpPr>
+      <p:grpSpPr>
+        <a:xfrm>
+          <a:off x="0" y="0"/>
+          <a:ext cx="0" cy="0"/>
+          <a:chOff x="0" y="0"/>
+          <a:chExt cx="0" cy="0"/>
+        </a:xfrm>
+      </p:grpSpPr>
+      <p:grpSp>
+        <p:nvGrpSpPr>
+          <p:cNvPr id="4" name="3 Grupo"/>
+          <p:cNvGrpSpPr/>
+          <p:nvPr/>
+        </p:nvGrpSpPr>
+        <p:grpSpPr>
+          <a:xfrm>
+            <a:off x="-1485900" y="-38100"/>
+            <a:ext cx="12115800" cy="6934200"/>
+            <a:chOff x="-1485900" y="-38100"/>
+            <a:chExt cx="12115800" cy="6934200"/>
+          </a:xfrm>
+        </p:grpSpPr>
+        <p:pic>
+          <p:nvPicPr>
+            <p:cNvPr id="6146" name="Picture 2" descr="L:\UTN\5to Año\Proyecto Final\Metalurgica\03_iteraciones\6ta_iteracion\Manuales\Manual de Usuario\Metalsoft_Interfaces\Presupuesto\presupuesto6.png"/>
+            <p:cNvPicPr>
+              <a:picLocks noChangeAspect="1" noChangeArrowheads="1"/>
+            </p:cNvPicPr>
+            <p:nvPr/>
+          </p:nvPicPr>
+          <p:blipFill>
+            <a:blip r:embed="rId2" cstate="print"/>
+            <a:srcRect/>
+            <a:stretch>
+              <a:fillRect/>
+            </a:stretch>
+          </p:blipFill>
+          <p:spPr bwMode="auto">
+            <a:xfrm>
+              <a:off x="-1485900" y="-38100"/>
+              <a:ext cx="12115800" cy="6934200"/>
+            </a:xfrm>
+            <a:prstGeom prst="rect">
+              <a:avLst/>
+            </a:prstGeom>
+            <a:noFill/>
+          </p:spPr>
+        </p:pic>
+        <p:sp>
+          <p:nvSpPr>
+            <p:cNvPr id="3" name="2 Rectángulo"/>
+            <p:cNvSpPr/>
+            <p:nvPr/>
+          </p:nvSpPr>
+          <p:spPr>
+            <a:xfrm>
+              <a:off x="2915816" y="3501008"/>
+              <a:ext cx="504056" cy="432048"/>
+            </a:xfrm>
+            <a:prstGeom prst="rect">
+              <a:avLst/>
+            </a:prstGeom>
+            <a:solidFill>
+              <a:srgbClr val="92D050"/>
+            </a:solidFill>
+            <a:ln>
+              <a:noFill/>
+            </a:ln>
+            <a:effectLst>
+              <a:outerShdw blurRad="50800" dist="38100" dir="5400000" algn="t" rotWithShape="0">
+                <a:prstClr val="black">
+                  <a:alpha val="40000"/>
+                </a:prstClr>
+              </a:outerShdw>
+            </a:effectLst>
+            <a:scene3d>
+              <a:camera prst="orthographicFront">
+                <a:rot lat="0" lon="0" rev="0"/>
+              </a:camera>
+              <a:lightRig rig="contrasting" dir="t">
+                <a:rot lat="0" lon="0" rev="1500000"/>
+              </a:lightRig>
+            </a:scene3d>
+            <a:sp3d prstMaterial="metal">
+              <a:bevelT w="88900" h="88900"/>
+            </a:sp3d>
+          </p:spPr>
+          <p:style>
+            <a:lnRef idx="2">
+              <a:schemeClr val="accent1">
+                <a:shade val="50000"/>
+              </a:schemeClr>
+            </a:lnRef>
+            <a:fillRef idx="1">
+              <a:schemeClr val="accent1"/>
+            </a:fillRef>
+            <a:effectRef idx="0">
+              <a:schemeClr val="accent1"/>
+            </a:effectRef>
+            <a:fontRef idx="minor">
+              <a:schemeClr val="lt1"/>
+            </a:fontRef>
+          </p:style>
+          <p:txBody>
+            <a:bodyPr rtlCol="0" anchor="ctr"/>
+            <a:lstStyle/>
+            <a:p>
+              <a:pPr algn="ctr"/>
+              <a:r>
+                <a:rPr lang="es-AR" b="1" dirty="0" smtClean="0"/>
+                <a:t>1</a:t>
+              </a:r>
+              <a:r>
+                <a:rPr lang="es-AR" b="1" dirty="0" smtClean="0"/>
+                <a:t>.</a:t>
+              </a:r>
+              <a:endParaRPr lang="es-AR" b="1" dirty="0"/>
+            </a:p>
+          </p:txBody>
+        </p:sp>
+      </p:grpSp>
+    </p:spTree>
+  </p:cSld>
+  <p:clrMapOvr>
+    <a:masterClrMapping/>
+  </p:clrMapOvr>
+</p:sld>
+</file>
+
+<file path=ppt/slides/slide17.xml><?xml version="1.0" encoding="utf-8"?>
+<p:sld xmlns:a="http://schemas.openxmlformats.org/drawingml/2006/main" xmlns:r="http://schemas.openxmlformats.org/officeDocument/2006/relationships" xmlns:p="http://schemas.openxmlformats.org/presentationml/2006/main">
+  <p:cSld>
+    <p:spTree>
+      <p:nvGrpSpPr>
+        <p:cNvPr id="1" name=""/>
+        <p:cNvGrpSpPr/>
+        <p:nvPr/>
+      </p:nvGrpSpPr>
+      <p:grpSpPr>
+        <a:xfrm>
+          <a:off x="0" y="0"/>
+          <a:ext cx="0" cy="0"/>
+          <a:chOff x="0" y="0"/>
+          <a:chExt cx="0" cy="0"/>
+        </a:xfrm>
+      </p:grpSpPr>
+      <p:pic>
+        <p:nvPicPr>
+          <p:cNvPr id="7170" name="Picture 2" descr="L:\UTN\5to Año\Proyecto Final\Metalurgica\03_iteraciones\6ta_iteracion\Manuales\Manual de Usuario\Metalsoft_Interfaces\Presupuesto\presupuesto7.png"/>
+          <p:cNvPicPr>
+            <a:picLocks noChangeAspect="1" noChangeArrowheads="1"/>
+          </p:cNvPicPr>
+          <p:nvPr/>
+        </p:nvPicPr>
+        <p:blipFill>
+          <a:blip r:embed="rId2" cstate="print"/>
+          <a:srcRect/>
+          <a:stretch>
+            <a:fillRect/>
+          </a:stretch>
+        </p:blipFill>
+        <p:spPr bwMode="auto">
+          <a:xfrm>
+            <a:off x="-190500" y="-61913"/>
+            <a:ext cx="9525000" cy="6981826"/>
           </a:xfrm>
           <a:prstGeom prst="rect">
             <a:avLst/>
           </a:prstGeom>
           <a:noFill/>
         </p:spPr>
-        <p:txBody>
-          <a:bodyPr wrap="none" rtlCol="0">
-            <a:spAutoFit/>
-          </a:bodyPr>
-          <a:lstStyle/>
-          <a:p>
-            <a:r>
-              <a:rPr lang="es-AR" dirty="0" smtClean="0"/>
-              <a:t>Falta la imagen q se guardó con mensaje</a:t>
-            </a:r>
-            <a:endParaRPr lang="es-AR" dirty="0"/>
-          </a:p>
-        </p:txBody>
-      </p:sp>
+      </p:pic>
+    </p:spTree>
+  </p:cSld>
+  <p:clrMapOvr>
+    <a:masterClrMapping/>
+  </p:clrMapOvr>
+</p:sld>
+</file>
+
+<file path=ppt/slides/slide18.xml><?xml version="1.0" encoding="utf-8"?>
+<p:sld xmlns:a="http://schemas.openxmlformats.org/drawingml/2006/main" xmlns:r="http://schemas.openxmlformats.org/officeDocument/2006/relationships" xmlns:p="http://schemas.openxmlformats.org/presentationml/2006/main">
+  <p:cSld>
+    <p:spTree>
+      <p:nvGrpSpPr>
+        <p:cNvPr id="1" name=""/>
+        <p:cNvGrpSpPr/>
+        <p:nvPr/>
+      </p:nvGrpSpPr>
+      <p:grpSpPr>
+        <a:xfrm>
+          <a:off x="0" y="0"/>
+          <a:ext cx="0" cy="0"/>
+          <a:chOff x="0" y="0"/>
+          <a:chExt cx="0" cy="0"/>
+        </a:xfrm>
+      </p:grpSpPr>
     </p:spTree>
   </p:cSld>
   <p:clrMapOvr>
